--- a/advancing-into-analytics-excel-foundations.pptx
+++ b/advancing-into-analytics-excel-foundations.pptx
@@ -5,27 +5,25 @@
     <p:sldMasterId id="2147483648" r:id="rId1"/>
   </p:sldMasterIdLst>
   <p:notesMasterIdLst>
-    <p:notesMasterId r:id="rId20"/>
+    <p:notesMasterId r:id="rId18"/>
   </p:notesMasterIdLst>
   <p:sldIdLst>
     <p:sldId id="256" r:id="rId2"/>
-    <p:sldId id="393" r:id="rId3"/>
-    <p:sldId id="435" r:id="rId4"/>
-    <p:sldId id="436" r:id="rId5"/>
-    <p:sldId id="441" r:id="rId6"/>
-    <p:sldId id="442" r:id="rId7"/>
-    <p:sldId id="332" r:id="rId8"/>
-    <p:sldId id="437" r:id="rId9"/>
-    <p:sldId id="438" r:id="rId10"/>
-    <p:sldId id="411" r:id="rId11"/>
-    <p:sldId id="439" r:id="rId12"/>
-    <p:sldId id="426" r:id="rId13"/>
-    <p:sldId id="431" r:id="rId14"/>
-    <p:sldId id="440" r:id="rId15"/>
-    <p:sldId id="433" r:id="rId16"/>
-    <p:sldId id="336" r:id="rId17"/>
-    <p:sldId id="434" r:id="rId18"/>
-    <p:sldId id="432" r:id="rId19"/>
+    <p:sldId id="436" r:id="rId3"/>
+    <p:sldId id="441" r:id="rId4"/>
+    <p:sldId id="442" r:id="rId5"/>
+    <p:sldId id="332" r:id="rId6"/>
+    <p:sldId id="437" r:id="rId7"/>
+    <p:sldId id="438" r:id="rId8"/>
+    <p:sldId id="411" r:id="rId9"/>
+    <p:sldId id="439" r:id="rId10"/>
+    <p:sldId id="426" r:id="rId11"/>
+    <p:sldId id="431" r:id="rId12"/>
+    <p:sldId id="440" r:id="rId13"/>
+    <p:sldId id="433" r:id="rId14"/>
+    <p:sldId id="336" r:id="rId15"/>
+    <p:sldId id="434" r:id="rId16"/>
+    <p:sldId id="432" r:id="rId17"/>
   </p:sldIdLst>
   <p:sldSz cx="12192000" cy="6858000"/>
   <p:notesSz cx="6858000" cy="9144000"/>
@@ -2185,7 +2183,7 @@
           <a:p>
             <a:fld id="{3BB66621-ADCC-4EF8-8003-B9D3E881DCD2}" type="slidenum">
               <a:rPr lang="en-US" smtClean="0"/>
-              <a:t>7</a:t>
+              <a:t>5</a:t>
             </a:fld>
             <a:endParaRPr lang="en-US"/>
           </a:p>
@@ -2278,7 +2276,7 @@
           <a:p>
             <a:fld id="{3BB66621-ADCC-4EF8-8003-B9D3E881DCD2}" type="slidenum">
               <a:rPr lang="en-US" smtClean="0"/>
-              <a:t>8</a:t>
+              <a:t>6</a:t>
             </a:fld>
             <a:endParaRPr lang="en-US"/>
           </a:p>
@@ -2371,7 +2369,7 @@
           <a:p>
             <a:fld id="{3BB66621-ADCC-4EF8-8003-B9D3E881DCD2}" type="slidenum">
               <a:rPr lang="en-US" smtClean="0"/>
-              <a:t>9</a:t>
+              <a:t>7</a:t>
             </a:fld>
             <a:endParaRPr lang="en-US"/>
           </a:p>
@@ -2458,7 +2456,7 @@
           <a:p>
             <a:fld id="{3BB66621-ADCC-4EF8-8003-B9D3E881DCD2}" type="slidenum">
               <a:rPr lang="en-US" smtClean="0"/>
-              <a:t>10</a:t>
+              <a:t>8</a:t>
             </a:fld>
             <a:endParaRPr lang="en-US"/>
           </a:p>
@@ -2545,7 +2543,7 @@
           <a:p>
             <a:fld id="{3BB66621-ADCC-4EF8-8003-B9D3E881DCD2}" type="slidenum">
               <a:rPr lang="en-US" smtClean="0"/>
-              <a:t>11</a:t>
+              <a:t>9</a:t>
             </a:fld>
             <a:endParaRPr lang="en-US"/>
           </a:p>
@@ -2661,7 +2659,7 @@
           <a:p>
             <a:fld id="{3BB66621-ADCC-4EF8-8003-B9D3E881DCD2}" type="slidenum">
               <a:rPr lang="en-US" smtClean="0"/>
-              <a:t>15</a:t>
+              <a:t>13</a:t>
             </a:fld>
             <a:endParaRPr lang="en-US"/>
           </a:p>
@@ -5584,7 +5582,7 @@
         <p:spPr>
           <a:xfrm>
             <a:off x="324091" y="1687545"/>
-            <a:ext cx="8085618" cy="1384995"/>
+            <a:ext cx="8085618" cy="954107"/>
           </a:xfrm>
           <a:prstGeom prst="rect">
             <a:avLst/>
@@ -5615,19 +5613,44 @@
               <a:latin typeface="Pragmatica" panose="020B0403040502020204" pitchFamily="34" charset="0"/>
             </a:endParaRPr>
           </a:p>
-          <a:p>
-            <a:r>
-              <a:rPr lang="en-US" sz="2800" b="1" dirty="0">
-                <a:solidFill>
-                  <a:srgbClr val="707070"/>
-                </a:solidFill>
-                <a:latin typeface="Pragmatica" panose="020B0403040502020204" pitchFamily="34" charset="0"/>
-              </a:rPr>
-              <a:t>Week 1 Bootcamp</a:t>
-            </a:r>
-          </a:p>
-        </p:txBody>
-      </p:sp>
+        </p:txBody>
+      </p:sp>
+      <p:pic>
+        <p:nvPicPr>
+          <p:cNvPr id="3" name="Picture 2" descr="A bird standing on a white surface&#10;&#10;Description automatically generated with medium confidence">
+            <a:extLst>
+              <a:ext uri="{FF2B5EF4-FFF2-40B4-BE49-F238E27FC236}">
+                <a16:creationId xmlns:a16="http://schemas.microsoft.com/office/drawing/2014/main" id="{7F38A7D7-DAC3-4081-AADF-4BC9C362ADEC}"/>
+              </a:ext>
+            </a:extLst>
+          </p:cNvPr>
+          <p:cNvPicPr>
+            <a:picLocks noChangeAspect="1"/>
+          </p:cNvPicPr>
+          <p:nvPr/>
+        </p:nvPicPr>
+        <p:blipFill>
+          <a:blip r:embed="rId4">
+            <a:extLst>
+              <a:ext uri="{28A0092B-C50C-407E-A947-70E740481C1C}">
+                <a14:useLocalDpi xmlns:a14="http://schemas.microsoft.com/office/drawing/2010/main" val="0"/>
+              </a:ext>
+            </a:extLst>
+          </a:blip>
+          <a:stretch>
+            <a:fillRect/>
+          </a:stretch>
+        </p:blipFill>
+        <p:spPr>
+          <a:xfrm>
+            <a:off x="762" y="428"/>
+            <a:ext cx="12190476" cy="6857143"/>
+          </a:xfrm>
+          <a:prstGeom prst="rect">
+            <a:avLst/>
+          </a:prstGeom>
+        </p:spPr>
+      </p:pic>
     </p:spTree>
     <p:extLst>
       <p:ext uri="{BB962C8B-B14F-4D97-AF65-F5344CB8AC3E}">
@@ -5642,411 +5665,6 @@
 </file>
 
 <file path=ppt/slides/slide10.xml><?xml version="1.0" encoding="utf-8"?>
-<p:sld xmlns:a="http://schemas.openxmlformats.org/drawingml/2006/main" xmlns:r="http://schemas.openxmlformats.org/officeDocument/2006/relationships" xmlns:p="http://schemas.openxmlformats.org/presentationml/2006/main">
-  <p:cSld>
-    <p:spTree>
-      <p:nvGrpSpPr>
-        <p:cNvPr id="1" name=""/>
-        <p:cNvGrpSpPr/>
-        <p:nvPr/>
-      </p:nvGrpSpPr>
-      <p:grpSpPr>
-        <a:xfrm>
-          <a:off x="0" y="0"/>
-          <a:ext cx="0" cy="0"/>
-          <a:chOff x="0" y="0"/>
-          <a:chExt cx="0" cy="0"/>
-        </a:xfrm>
-      </p:grpSpPr>
-      <p:sp>
-        <p:nvSpPr>
-          <p:cNvPr id="4" name="Rectangle 3"/>
-          <p:cNvSpPr/>
-          <p:nvPr/>
-        </p:nvSpPr>
-        <p:spPr>
-          <a:xfrm>
-            <a:off x="6574420" y="0"/>
-            <a:ext cx="5617580" cy="6858000"/>
-          </a:xfrm>
-          <a:prstGeom prst="rect">
-            <a:avLst/>
-          </a:prstGeom>
-          <a:solidFill>
-            <a:srgbClr val="CF3338"/>
-          </a:solidFill>
-        </p:spPr>
-        <p:style>
-          <a:lnRef idx="2">
-            <a:schemeClr val="accent1">
-              <a:shade val="50000"/>
-            </a:schemeClr>
-          </a:lnRef>
-          <a:fillRef idx="1">
-            <a:schemeClr val="accent1"/>
-          </a:fillRef>
-          <a:effectRef idx="0">
-            <a:schemeClr val="accent1"/>
-          </a:effectRef>
-          <a:fontRef idx="minor">
-            <a:schemeClr val="lt1"/>
-          </a:fontRef>
-        </p:style>
-        <p:txBody>
-          <a:bodyPr rtlCol="0" anchor="ctr"/>
-          <a:lstStyle/>
-          <a:p>
-            <a:pPr algn="ctr"/>
-            <a:endParaRPr lang="en-US"/>
-          </a:p>
-        </p:txBody>
-      </p:sp>
-      <p:sp>
-        <p:nvSpPr>
-          <p:cNvPr id="5" name="TextBox 4"/>
-          <p:cNvSpPr txBox="1"/>
-          <p:nvPr/>
-        </p:nvSpPr>
-        <p:spPr>
-          <a:xfrm>
-            <a:off x="6817489" y="0"/>
-            <a:ext cx="4120587" cy="1446550"/>
-          </a:xfrm>
-          <a:prstGeom prst="rect">
-            <a:avLst/>
-          </a:prstGeom>
-          <a:noFill/>
-        </p:spPr>
-        <p:txBody>
-          <a:bodyPr wrap="square" rtlCol="0">
-            <a:spAutoFit/>
-          </a:bodyPr>
-          <a:lstStyle/>
-          <a:p>
-            <a:r>
-              <a:rPr lang="en-US" sz="8800" dirty="0">
-                <a:solidFill>
-                  <a:schemeClr val="bg1"/>
-                </a:solidFill>
-                <a:latin typeface="Aliens &amp; cows" panose="00000500000000000000" pitchFamily="2" charset="0"/>
-              </a:rPr>
-              <a:t>Drill</a:t>
-            </a:r>
-          </a:p>
-        </p:txBody>
-      </p:sp>
-      <p:pic>
-        <p:nvPicPr>
-          <p:cNvPr id="2" name="Picture 1"/>
-          <p:cNvPicPr>
-            <a:picLocks noChangeAspect="1"/>
-          </p:cNvPicPr>
-          <p:nvPr/>
-        </p:nvPicPr>
-        <p:blipFill rotWithShape="1">
-          <a:blip r:embed="rId3">
-            <a:extLst>
-              <a:ext uri="{28A0092B-C50C-407E-A947-70E740481C1C}">
-                <a14:useLocalDpi xmlns:a14="http://schemas.microsoft.com/office/drawing/2010/main" val="0"/>
-              </a:ext>
-            </a:extLst>
-          </a:blip>
-          <a:srcRect l="69227" t="33418" r="20112" b="50548"/>
-          <a:stretch/>
-        </p:blipFill>
-        <p:spPr>
-          <a:xfrm>
-            <a:off x="10386349" y="5029795"/>
-            <a:ext cx="1805651" cy="1991719"/>
-          </a:xfrm>
-          <a:prstGeom prst="rect">
-            <a:avLst/>
-          </a:prstGeom>
-        </p:spPr>
-      </p:pic>
-      <p:sp>
-        <p:nvSpPr>
-          <p:cNvPr id="3" name="TextBox 2"/>
-          <p:cNvSpPr txBox="1"/>
-          <p:nvPr/>
-        </p:nvSpPr>
-        <p:spPr>
-          <a:xfrm>
-            <a:off x="173620" y="219919"/>
-            <a:ext cx="5937813" cy="1384995"/>
-          </a:xfrm>
-          <a:prstGeom prst="rect">
-            <a:avLst/>
-          </a:prstGeom>
-          <a:noFill/>
-        </p:spPr>
-        <p:txBody>
-          <a:bodyPr wrap="square" rtlCol="0">
-            <a:spAutoFit/>
-          </a:bodyPr>
-          <a:lstStyle/>
-          <a:p>
-            <a:endParaRPr lang="en-US" sz="2800" b="1" dirty="0">
-              <a:solidFill>
-                <a:srgbClr val="CF3338"/>
-              </a:solidFill>
-              <a:latin typeface="Pragmatica" pitchFamily="2" charset="0"/>
-            </a:endParaRPr>
-          </a:p>
-          <a:p>
-            <a:pPr marL="514350" indent="-514350">
-              <a:buFont typeface="Arial" panose="020B0604020202020204" pitchFamily="34" charset="0"/>
-              <a:buChar char="•"/>
-            </a:pPr>
-            <a:r>
-              <a:rPr lang="en-US" sz="2800" b="1" dirty="0">
-                <a:solidFill>
-                  <a:srgbClr val="CF3338"/>
-                </a:solidFill>
-                <a:latin typeface="Pragmatica" pitchFamily="2" charset="0"/>
-              </a:rPr>
-              <a:t>File: </a:t>
-            </a:r>
-            <a:r>
-              <a:rPr lang="en-US" sz="2800" b="1" dirty="0">
-                <a:solidFill>
-                  <a:srgbClr val="CF3338"/>
-                </a:solidFill>
-                <a:latin typeface="Consolas" panose="020B0609020204030204" pitchFamily="49" charset="0"/>
-              </a:rPr>
-              <a:t>titanic.xlsx</a:t>
-            </a:r>
-          </a:p>
-          <a:p>
-            <a:pPr marL="514350" indent="-514350">
-              <a:buFont typeface="Arial" panose="020B0604020202020204" pitchFamily="34" charset="0"/>
-              <a:buChar char="•"/>
-            </a:pPr>
-            <a:r>
-              <a:rPr lang="en-US" sz="2800" b="1" dirty="0">
-                <a:solidFill>
-                  <a:srgbClr val="CF3338"/>
-                </a:solidFill>
-                <a:latin typeface="Pragmatica"/>
-              </a:rPr>
-              <a:t>Categorize each variable</a:t>
-            </a:r>
-          </a:p>
-        </p:txBody>
-      </p:sp>
-    </p:spTree>
-    <p:extLst>
-      <p:ext uri="{BB962C8B-B14F-4D97-AF65-F5344CB8AC3E}">
-        <p14:creationId xmlns:p14="http://schemas.microsoft.com/office/powerpoint/2010/main" val="3088895096"/>
-      </p:ext>
-    </p:extLst>
-  </p:cSld>
-  <p:clrMapOvr>
-    <a:masterClrMapping/>
-  </p:clrMapOvr>
-</p:sld>
-</file>
-
-<file path=ppt/slides/slide11.xml><?xml version="1.0" encoding="utf-8"?>
-<p:sld xmlns:a="http://schemas.openxmlformats.org/drawingml/2006/main" xmlns:r="http://schemas.openxmlformats.org/officeDocument/2006/relationships" xmlns:p="http://schemas.openxmlformats.org/presentationml/2006/main">
-  <p:cSld>
-    <p:spTree>
-      <p:nvGrpSpPr>
-        <p:cNvPr id="1" name=""/>
-        <p:cNvGrpSpPr/>
-        <p:nvPr/>
-      </p:nvGrpSpPr>
-      <p:grpSpPr>
-        <a:xfrm>
-          <a:off x="0" y="0"/>
-          <a:ext cx="0" cy="0"/>
-          <a:chOff x="0" y="0"/>
-          <a:chExt cx="0" cy="0"/>
-        </a:xfrm>
-      </p:grpSpPr>
-      <p:sp>
-        <p:nvSpPr>
-          <p:cNvPr id="4" name="Rectangle 3"/>
-          <p:cNvSpPr/>
-          <p:nvPr/>
-        </p:nvSpPr>
-        <p:spPr>
-          <a:xfrm>
-            <a:off x="6574420" y="0"/>
-            <a:ext cx="5617580" cy="6858000"/>
-          </a:xfrm>
-          <a:prstGeom prst="rect">
-            <a:avLst/>
-          </a:prstGeom>
-          <a:solidFill>
-            <a:srgbClr val="CF3338"/>
-          </a:solidFill>
-        </p:spPr>
-        <p:style>
-          <a:lnRef idx="2">
-            <a:schemeClr val="accent1">
-              <a:shade val="50000"/>
-            </a:schemeClr>
-          </a:lnRef>
-          <a:fillRef idx="1">
-            <a:schemeClr val="accent1"/>
-          </a:fillRef>
-          <a:effectRef idx="0">
-            <a:schemeClr val="accent1"/>
-          </a:effectRef>
-          <a:fontRef idx="minor">
-            <a:schemeClr val="lt1"/>
-          </a:fontRef>
-        </p:style>
-        <p:txBody>
-          <a:bodyPr rtlCol="0" anchor="ctr"/>
-          <a:lstStyle/>
-          <a:p>
-            <a:pPr algn="ctr"/>
-            <a:endParaRPr lang="en-US"/>
-          </a:p>
-        </p:txBody>
-      </p:sp>
-      <p:sp>
-        <p:nvSpPr>
-          <p:cNvPr id="5" name="TextBox 4"/>
-          <p:cNvSpPr txBox="1"/>
-          <p:nvPr/>
-        </p:nvSpPr>
-        <p:spPr>
-          <a:xfrm>
-            <a:off x="6817489" y="0"/>
-            <a:ext cx="4120587" cy="1446550"/>
-          </a:xfrm>
-          <a:prstGeom prst="rect">
-            <a:avLst/>
-          </a:prstGeom>
-          <a:noFill/>
-        </p:spPr>
-        <p:txBody>
-          <a:bodyPr wrap="square" rtlCol="0">
-            <a:spAutoFit/>
-          </a:bodyPr>
-          <a:lstStyle/>
-          <a:p>
-            <a:r>
-              <a:rPr lang="en-US" sz="8800" dirty="0">
-                <a:solidFill>
-                  <a:schemeClr val="bg1"/>
-                </a:solidFill>
-                <a:latin typeface="Aliens &amp; cows" panose="00000500000000000000" pitchFamily="2" charset="0"/>
-              </a:rPr>
-              <a:t>Demo</a:t>
-            </a:r>
-          </a:p>
-        </p:txBody>
-      </p:sp>
-      <p:pic>
-        <p:nvPicPr>
-          <p:cNvPr id="2" name="Picture 1"/>
-          <p:cNvPicPr>
-            <a:picLocks noChangeAspect="1"/>
-          </p:cNvPicPr>
-          <p:nvPr/>
-        </p:nvPicPr>
-        <p:blipFill rotWithShape="1">
-          <a:blip r:embed="rId3">
-            <a:extLst>
-              <a:ext uri="{28A0092B-C50C-407E-A947-70E740481C1C}">
-                <a14:useLocalDpi xmlns:a14="http://schemas.microsoft.com/office/drawing/2010/main" val="0"/>
-              </a:ext>
-            </a:extLst>
-          </a:blip>
-          <a:srcRect l="69227" t="33418" r="20112" b="50548"/>
-          <a:stretch/>
-        </p:blipFill>
-        <p:spPr>
-          <a:xfrm>
-            <a:off x="10386349" y="5029795"/>
-            <a:ext cx="1805651" cy="1991719"/>
-          </a:xfrm>
-          <a:prstGeom prst="rect">
-            <a:avLst/>
-          </a:prstGeom>
-        </p:spPr>
-      </p:pic>
-      <p:sp>
-        <p:nvSpPr>
-          <p:cNvPr id="3" name="TextBox 2"/>
-          <p:cNvSpPr txBox="1"/>
-          <p:nvPr/>
-        </p:nvSpPr>
-        <p:spPr>
-          <a:xfrm>
-            <a:off x="173620" y="219919"/>
-            <a:ext cx="5937813" cy="1384995"/>
-          </a:xfrm>
-          <a:prstGeom prst="rect">
-            <a:avLst/>
-          </a:prstGeom>
-          <a:noFill/>
-        </p:spPr>
-        <p:txBody>
-          <a:bodyPr wrap="square" rtlCol="0">
-            <a:spAutoFit/>
-          </a:bodyPr>
-          <a:lstStyle/>
-          <a:p>
-            <a:r>
-              <a:rPr lang="en-US" sz="2800" b="1" dirty="0">
-                <a:solidFill>
-                  <a:srgbClr val="CF3338"/>
-                </a:solidFill>
-                <a:latin typeface="Pragmatica" pitchFamily="2" charset="0"/>
-              </a:rPr>
-              <a:t>Summarizing categorical variables</a:t>
-            </a:r>
-          </a:p>
-          <a:p>
-            <a:endParaRPr lang="en-US" sz="2800" b="1" dirty="0">
-              <a:solidFill>
-                <a:srgbClr val="CF3338"/>
-              </a:solidFill>
-              <a:latin typeface="Pragmatica" pitchFamily="2" charset="0"/>
-            </a:endParaRPr>
-          </a:p>
-          <a:p>
-            <a:pPr marL="514350" indent="-514350">
-              <a:buFont typeface="Arial" panose="020B0604020202020204" pitchFamily="34" charset="0"/>
-              <a:buChar char="•"/>
-            </a:pPr>
-            <a:r>
-              <a:rPr lang="en-US" sz="2800" b="1" dirty="0">
-                <a:solidFill>
-                  <a:srgbClr val="CF3338"/>
-                </a:solidFill>
-                <a:latin typeface="Pragmatica" pitchFamily="2" charset="0"/>
-              </a:rPr>
-              <a:t>How many </a:t>
-            </a:r>
-            <a:endParaRPr lang="en-US" sz="2800" b="1" dirty="0">
-              <a:solidFill>
-                <a:srgbClr val="CF3338"/>
-              </a:solidFill>
-              <a:latin typeface="Consolas" panose="020B0609020204030204" pitchFamily="49" charset="0"/>
-            </a:endParaRPr>
-          </a:p>
-        </p:txBody>
-      </p:sp>
-    </p:spTree>
-    <p:extLst>
-      <p:ext uri="{BB962C8B-B14F-4D97-AF65-F5344CB8AC3E}">
-        <p14:creationId xmlns:p14="http://schemas.microsoft.com/office/powerpoint/2010/main" val="2312641399"/>
-      </p:ext>
-    </p:extLst>
-  </p:cSld>
-  <p:clrMapOvr>
-    <a:masterClrMapping/>
-  </p:clrMapOvr>
-</p:sld>
-</file>
-
-<file path=ppt/slides/slide12.xml><?xml version="1.0" encoding="utf-8"?>
 <p:sld xmlns:a="http://schemas.openxmlformats.org/drawingml/2006/main" xmlns:r="http://schemas.openxmlformats.org/officeDocument/2006/relationships" xmlns:p="http://schemas.openxmlformats.org/presentationml/2006/main">
   <p:cSld>
     <p:spTree>
@@ -6169,7 +5787,7 @@
 </p:sld>
 </file>
 
-<file path=ppt/slides/slide13.xml><?xml version="1.0" encoding="utf-8"?>
+<file path=ppt/slides/slide11.xml><?xml version="1.0" encoding="utf-8"?>
 <p:sld xmlns:a="http://schemas.openxmlformats.org/drawingml/2006/main" xmlns:r="http://schemas.openxmlformats.org/officeDocument/2006/relationships" xmlns:p="http://schemas.openxmlformats.org/presentationml/2006/main">
   <p:cSld>
     <p:spTree>
@@ -6308,7 +5926,7 @@
 </p:sld>
 </file>
 
-<file path=ppt/slides/slide14.xml><?xml version="1.0" encoding="utf-8"?>
+<file path=ppt/slides/slide12.xml><?xml version="1.0" encoding="utf-8"?>
 <p:sld xmlns:a="http://schemas.openxmlformats.org/drawingml/2006/main" xmlns:r="http://schemas.openxmlformats.org/officeDocument/2006/relationships" xmlns:p="http://schemas.openxmlformats.org/presentationml/2006/main">
   <p:cSld>
     <p:spTree>
@@ -6415,7 +6033,7 @@
 </p:sld>
 </file>
 
-<file path=ppt/slides/slide15.xml><?xml version="1.0" encoding="utf-8"?>
+<file path=ppt/slides/slide13.xml><?xml version="1.0" encoding="utf-8"?>
 <p:sld xmlns:a="http://schemas.openxmlformats.org/drawingml/2006/main" xmlns:r="http://schemas.openxmlformats.org/officeDocument/2006/relationships" xmlns:p="http://schemas.openxmlformats.org/presentationml/2006/main">
   <p:cSld>
     <p:spTree>
@@ -6609,6 +6227,284 @@
     <p:extLst>
       <p:ext uri="{BB962C8B-B14F-4D97-AF65-F5344CB8AC3E}">
         <p14:creationId xmlns:p14="http://schemas.microsoft.com/office/powerpoint/2010/main" val="1574051232"/>
+      </p:ext>
+    </p:extLst>
+  </p:cSld>
+  <p:clrMapOvr>
+    <a:masterClrMapping/>
+  </p:clrMapOvr>
+</p:sld>
+</file>
+
+<file path=ppt/slides/slide14.xml><?xml version="1.0" encoding="utf-8"?>
+<p:sld xmlns:a="http://schemas.openxmlformats.org/drawingml/2006/main" xmlns:r="http://schemas.openxmlformats.org/officeDocument/2006/relationships" xmlns:p="http://schemas.openxmlformats.org/presentationml/2006/main">
+  <p:cSld>
+    <p:spTree>
+      <p:nvGrpSpPr>
+        <p:cNvPr id="1" name=""/>
+        <p:cNvGrpSpPr/>
+        <p:nvPr/>
+      </p:nvGrpSpPr>
+      <p:grpSpPr>
+        <a:xfrm>
+          <a:off x="0" y="0"/>
+          <a:ext cx="0" cy="0"/>
+          <a:chOff x="0" y="0"/>
+          <a:chExt cx="0" cy="0"/>
+        </a:xfrm>
+      </p:grpSpPr>
+      <p:pic>
+        <p:nvPicPr>
+          <p:cNvPr id="10" name="Picture 9"/>
+          <p:cNvPicPr>
+            <a:picLocks noChangeAspect="1"/>
+          </p:cNvPicPr>
+          <p:nvPr/>
+        </p:nvPicPr>
+        <p:blipFill rotWithShape="1">
+          <a:blip r:embed="rId2">
+            <a:extLst>
+              <a:ext uri="{28A0092B-C50C-407E-A947-70E740481C1C}">
+                <a14:useLocalDpi xmlns:a14="http://schemas.microsoft.com/office/drawing/2010/main" val="0"/>
+              </a:ext>
+            </a:extLst>
+          </a:blip>
+          <a:srcRect l="50728" t="56371"/>
+          <a:stretch/>
+        </p:blipFill>
+        <p:spPr>
+          <a:xfrm>
+            <a:off x="8136460" y="2210765"/>
+            <a:ext cx="4055539" cy="4647236"/>
+          </a:xfrm>
+          <a:prstGeom prst="rect">
+            <a:avLst/>
+          </a:prstGeom>
+        </p:spPr>
+      </p:pic>
+      <p:pic>
+        <p:nvPicPr>
+          <p:cNvPr id="4" name="Picture 3"/>
+          <p:cNvPicPr>
+            <a:picLocks noChangeAspect="1"/>
+          </p:cNvPicPr>
+          <p:nvPr/>
+        </p:nvPicPr>
+        <p:blipFill>
+          <a:blip r:embed="rId3">
+            <a:extLst>
+              <a:ext uri="{28A0092B-C50C-407E-A947-70E740481C1C}">
+                <a14:useLocalDpi xmlns:a14="http://schemas.microsoft.com/office/drawing/2010/main" val="0"/>
+              </a:ext>
+            </a:extLst>
+          </a:blip>
+          <a:stretch>
+            <a:fillRect/>
+          </a:stretch>
+        </p:blipFill>
+        <p:spPr>
+          <a:xfrm>
+            <a:off x="-538496" y="-2482770"/>
+            <a:ext cx="10171472" cy="7459883"/>
+          </a:xfrm>
+          <a:prstGeom prst="rect">
+            <a:avLst/>
+          </a:prstGeom>
+        </p:spPr>
+      </p:pic>
+      <p:sp>
+        <p:nvSpPr>
+          <p:cNvPr id="11" name="TextBox 10"/>
+          <p:cNvSpPr txBox="1"/>
+          <p:nvPr/>
+        </p:nvSpPr>
+        <p:spPr>
+          <a:xfrm>
+            <a:off x="324091" y="1687545"/>
+            <a:ext cx="7986531" cy="1384995"/>
+          </a:xfrm>
+          <a:prstGeom prst="rect">
+            <a:avLst/>
+          </a:prstGeom>
+          <a:noFill/>
+        </p:spPr>
+        <p:txBody>
+          <a:bodyPr wrap="square" rtlCol="0">
+            <a:spAutoFit/>
+          </a:bodyPr>
+          <a:lstStyle/>
+          <a:p>
+            <a:r>
+              <a:rPr lang="en-US" sz="2800" b="1" dirty="0">
+                <a:solidFill>
+                  <a:srgbClr val="707070"/>
+                </a:solidFill>
+                <a:latin typeface="Pragmatica" panose="020B0403040502020204" pitchFamily="34" charset="0"/>
+              </a:rPr>
+              <a:t>Event survey: </a:t>
+            </a:r>
+            <a:r>
+              <a:rPr lang="en-US" sz="2800" b="1" dirty="0">
+                <a:solidFill>
+                  <a:srgbClr val="707070"/>
+                </a:solidFill>
+                <a:latin typeface="Pragmatica" panose="020B0403040502020204" pitchFamily="34" charset="0"/>
+                <a:hlinkClick r:id="rId4"/>
+              </a:rPr>
+              <a:t>https://forms.office.com/r/0ZnD0LxpZy</a:t>
+            </a:r>
+            <a:endParaRPr lang="en-US" sz="2800" b="1" dirty="0">
+              <a:solidFill>
+                <a:srgbClr val="707070"/>
+              </a:solidFill>
+              <a:latin typeface="Pragmatica" panose="020B0403040502020204" pitchFamily="34" charset="0"/>
+            </a:endParaRPr>
+          </a:p>
+          <a:p>
+            <a:endParaRPr lang="en-US" sz="2800" b="1" dirty="0">
+              <a:solidFill>
+                <a:srgbClr val="707070"/>
+              </a:solidFill>
+              <a:latin typeface="Pragmatica" panose="020B0403040502020204" pitchFamily="34" charset="0"/>
+            </a:endParaRPr>
+          </a:p>
+        </p:txBody>
+      </p:sp>
+    </p:spTree>
+    <p:extLst>
+      <p:ext uri="{BB962C8B-B14F-4D97-AF65-F5344CB8AC3E}">
+        <p14:creationId xmlns:p14="http://schemas.microsoft.com/office/powerpoint/2010/main" val="2312071835"/>
+      </p:ext>
+    </p:extLst>
+  </p:cSld>
+  <p:clrMapOvr>
+    <a:masterClrMapping/>
+  </p:clrMapOvr>
+</p:sld>
+</file>
+
+<file path=ppt/slides/slide15.xml><?xml version="1.0" encoding="utf-8"?>
+<p:sld xmlns:a="http://schemas.openxmlformats.org/drawingml/2006/main" xmlns:r="http://schemas.openxmlformats.org/officeDocument/2006/relationships" xmlns:p="http://schemas.openxmlformats.org/presentationml/2006/main">
+  <p:cSld>
+    <p:spTree>
+      <p:nvGrpSpPr>
+        <p:cNvPr id="1" name=""/>
+        <p:cNvGrpSpPr/>
+        <p:nvPr/>
+      </p:nvGrpSpPr>
+      <p:grpSpPr>
+        <a:xfrm>
+          <a:off x="0" y="0"/>
+          <a:ext cx="0" cy="0"/>
+          <a:chOff x="0" y="0"/>
+          <a:chExt cx="0" cy="0"/>
+        </a:xfrm>
+      </p:grpSpPr>
+      <p:pic>
+        <p:nvPicPr>
+          <p:cNvPr id="10" name="Picture 9"/>
+          <p:cNvPicPr>
+            <a:picLocks noChangeAspect="1"/>
+          </p:cNvPicPr>
+          <p:nvPr/>
+        </p:nvPicPr>
+        <p:blipFill rotWithShape="1">
+          <a:blip r:embed="rId2">
+            <a:extLst>
+              <a:ext uri="{28A0092B-C50C-407E-A947-70E740481C1C}">
+                <a14:useLocalDpi xmlns:a14="http://schemas.microsoft.com/office/drawing/2010/main" val="0"/>
+              </a:ext>
+            </a:extLst>
+          </a:blip>
+          <a:srcRect l="50728" t="56371"/>
+          <a:stretch/>
+        </p:blipFill>
+        <p:spPr>
+          <a:xfrm>
+            <a:off x="8136460" y="2210765"/>
+            <a:ext cx="4055539" cy="4647236"/>
+          </a:xfrm>
+          <a:prstGeom prst="rect">
+            <a:avLst/>
+          </a:prstGeom>
+        </p:spPr>
+      </p:pic>
+      <p:pic>
+        <p:nvPicPr>
+          <p:cNvPr id="4" name="Picture 3"/>
+          <p:cNvPicPr>
+            <a:picLocks noChangeAspect="1"/>
+          </p:cNvPicPr>
+          <p:nvPr/>
+        </p:nvPicPr>
+        <p:blipFill>
+          <a:blip r:embed="rId3">
+            <a:extLst>
+              <a:ext uri="{28A0092B-C50C-407E-A947-70E740481C1C}">
+                <a14:useLocalDpi xmlns:a14="http://schemas.microsoft.com/office/drawing/2010/main" val="0"/>
+              </a:ext>
+            </a:extLst>
+          </a:blip>
+          <a:stretch>
+            <a:fillRect/>
+          </a:stretch>
+        </p:blipFill>
+        <p:spPr>
+          <a:xfrm>
+            <a:off x="-538496" y="-2482770"/>
+            <a:ext cx="10171472" cy="7459883"/>
+          </a:xfrm>
+          <a:prstGeom prst="rect">
+            <a:avLst/>
+          </a:prstGeom>
+        </p:spPr>
+      </p:pic>
+      <p:sp>
+        <p:nvSpPr>
+          <p:cNvPr id="11" name="TextBox 10"/>
+          <p:cNvSpPr txBox="1"/>
+          <p:nvPr/>
+        </p:nvSpPr>
+        <p:spPr>
+          <a:xfrm>
+            <a:off x="324091" y="1687545"/>
+            <a:ext cx="7986531" cy="1077218"/>
+          </a:xfrm>
+          <a:prstGeom prst="rect">
+            <a:avLst/>
+          </a:prstGeom>
+          <a:noFill/>
+        </p:spPr>
+        <p:txBody>
+          <a:bodyPr wrap="square" rtlCol="0">
+            <a:spAutoFit/>
+          </a:bodyPr>
+          <a:lstStyle/>
+          <a:p>
+            <a:r>
+              <a:rPr lang="en-US" sz="4400" b="1" dirty="0">
+                <a:solidFill>
+                  <a:srgbClr val="707070"/>
+                </a:solidFill>
+                <a:latin typeface="Pragmatica" panose="020B0403040502020204" pitchFamily="34" charset="0"/>
+              </a:rPr>
+              <a:t>Questions?</a:t>
+            </a:r>
+          </a:p>
+          <a:p>
+            <a:endParaRPr lang="en-US" sz="2000" b="1" i="1" dirty="0">
+              <a:solidFill>
+                <a:srgbClr val="707070"/>
+              </a:solidFill>
+              <a:latin typeface="Pragmatica" panose="020B0403040502020204" pitchFamily="34" charset="0"/>
+            </a:endParaRPr>
+          </a:p>
+        </p:txBody>
+      </p:sp>
+    </p:spTree>
+    <p:extLst>
+      <p:ext uri="{BB962C8B-B14F-4D97-AF65-F5344CB8AC3E}">
+        <p14:creationId xmlns:p14="http://schemas.microsoft.com/office/powerpoint/2010/main" val="2792158884"/>
       </p:ext>
     </p:extLst>
   </p:cSld>
@@ -6703,284 +6599,6 @@
         <p:spPr>
           <a:xfrm>
             <a:off x="324091" y="1687545"/>
-            <a:ext cx="7986531" cy="1384995"/>
-          </a:xfrm>
-          <a:prstGeom prst="rect">
-            <a:avLst/>
-          </a:prstGeom>
-          <a:noFill/>
-        </p:spPr>
-        <p:txBody>
-          <a:bodyPr wrap="square" rtlCol="0">
-            <a:spAutoFit/>
-          </a:bodyPr>
-          <a:lstStyle/>
-          <a:p>
-            <a:r>
-              <a:rPr lang="en-US" sz="2800" b="1" dirty="0">
-                <a:solidFill>
-                  <a:srgbClr val="707070"/>
-                </a:solidFill>
-                <a:latin typeface="Pragmatica" panose="020B0403040502020204" pitchFamily="34" charset="0"/>
-              </a:rPr>
-              <a:t>Event survey: </a:t>
-            </a:r>
-            <a:r>
-              <a:rPr lang="en-US" sz="2800" b="1" dirty="0">
-                <a:solidFill>
-                  <a:srgbClr val="707070"/>
-                </a:solidFill>
-                <a:latin typeface="Pragmatica" panose="020B0403040502020204" pitchFamily="34" charset="0"/>
-                <a:hlinkClick r:id="rId4"/>
-              </a:rPr>
-              <a:t>https://forms.office.com/r/0ZnD0LxpZy</a:t>
-            </a:r>
-            <a:endParaRPr lang="en-US" sz="2800" b="1" dirty="0">
-              <a:solidFill>
-                <a:srgbClr val="707070"/>
-              </a:solidFill>
-              <a:latin typeface="Pragmatica" panose="020B0403040502020204" pitchFamily="34" charset="0"/>
-            </a:endParaRPr>
-          </a:p>
-          <a:p>
-            <a:endParaRPr lang="en-US" sz="2800" b="1" dirty="0">
-              <a:solidFill>
-                <a:srgbClr val="707070"/>
-              </a:solidFill>
-              <a:latin typeface="Pragmatica" panose="020B0403040502020204" pitchFamily="34" charset="0"/>
-            </a:endParaRPr>
-          </a:p>
-        </p:txBody>
-      </p:sp>
-    </p:spTree>
-    <p:extLst>
-      <p:ext uri="{BB962C8B-B14F-4D97-AF65-F5344CB8AC3E}">
-        <p14:creationId xmlns:p14="http://schemas.microsoft.com/office/powerpoint/2010/main" val="2312071835"/>
-      </p:ext>
-    </p:extLst>
-  </p:cSld>
-  <p:clrMapOvr>
-    <a:masterClrMapping/>
-  </p:clrMapOvr>
-</p:sld>
-</file>
-
-<file path=ppt/slides/slide17.xml><?xml version="1.0" encoding="utf-8"?>
-<p:sld xmlns:a="http://schemas.openxmlformats.org/drawingml/2006/main" xmlns:r="http://schemas.openxmlformats.org/officeDocument/2006/relationships" xmlns:p="http://schemas.openxmlformats.org/presentationml/2006/main">
-  <p:cSld>
-    <p:spTree>
-      <p:nvGrpSpPr>
-        <p:cNvPr id="1" name=""/>
-        <p:cNvGrpSpPr/>
-        <p:nvPr/>
-      </p:nvGrpSpPr>
-      <p:grpSpPr>
-        <a:xfrm>
-          <a:off x="0" y="0"/>
-          <a:ext cx="0" cy="0"/>
-          <a:chOff x="0" y="0"/>
-          <a:chExt cx="0" cy="0"/>
-        </a:xfrm>
-      </p:grpSpPr>
-      <p:pic>
-        <p:nvPicPr>
-          <p:cNvPr id="10" name="Picture 9"/>
-          <p:cNvPicPr>
-            <a:picLocks noChangeAspect="1"/>
-          </p:cNvPicPr>
-          <p:nvPr/>
-        </p:nvPicPr>
-        <p:blipFill rotWithShape="1">
-          <a:blip r:embed="rId2">
-            <a:extLst>
-              <a:ext uri="{28A0092B-C50C-407E-A947-70E740481C1C}">
-                <a14:useLocalDpi xmlns:a14="http://schemas.microsoft.com/office/drawing/2010/main" val="0"/>
-              </a:ext>
-            </a:extLst>
-          </a:blip>
-          <a:srcRect l="50728" t="56371"/>
-          <a:stretch/>
-        </p:blipFill>
-        <p:spPr>
-          <a:xfrm>
-            <a:off x="8136460" y="2210765"/>
-            <a:ext cx="4055539" cy="4647236"/>
-          </a:xfrm>
-          <a:prstGeom prst="rect">
-            <a:avLst/>
-          </a:prstGeom>
-        </p:spPr>
-      </p:pic>
-      <p:pic>
-        <p:nvPicPr>
-          <p:cNvPr id="4" name="Picture 3"/>
-          <p:cNvPicPr>
-            <a:picLocks noChangeAspect="1"/>
-          </p:cNvPicPr>
-          <p:nvPr/>
-        </p:nvPicPr>
-        <p:blipFill>
-          <a:blip r:embed="rId3">
-            <a:extLst>
-              <a:ext uri="{28A0092B-C50C-407E-A947-70E740481C1C}">
-                <a14:useLocalDpi xmlns:a14="http://schemas.microsoft.com/office/drawing/2010/main" val="0"/>
-              </a:ext>
-            </a:extLst>
-          </a:blip>
-          <a:stretch>
-            <a:fillRect/>
-          </a:stretch>
-        </p:blipFill>
-        <p:spPr>
-          <a:xfrm>
-            <a:off x="-538496" y="-2482770"/>
-            <a:ext cx="10171472" cy="7459883"/>
-          </a:xfrm>
-          <a:prstGeom prst="rect">
-            <a:avLst/>
-          </a:prstGeom>
-        </p:spPr>
-      </p:pic>
-      <p:sp>
-        <p:nvSpPr>
-          <p:cNvPr id="11" name="TextBox 10"/>
-          <p:cNvSpPr txBox="1"/>
-          <p:nvPr/>
-        </p:nvSpPr>
-        <p:spPr>
-          <a:xfrm>
-            <a:off x="324091" y="1687545"/>
-            <a:ext cx="7986531" cy="1077218"/>
-          </a:xfrm>
-          <a:prstGeom prst="rect">
-            <a:avLst/>
-          </a:prstGeom>
-          <a:noFill/>
-        </p:spPr>
-        <p:txBody>
-          <a:bodyPr wrap="square" rtlCol="0">
-            <a:spAutoFit/>
-          </a:bodyPr>
-          <a:lstStyle/>
-          <a:p>
-            <a:r>
-              <a:rPr lang="en-US" sz="4400" b="1" dirty="0">
-                <a:solidFill>
-                  <a:srgbClr val="707070"/>
-                </a:solidFill>
-                <a:latin typeface="Pragmatica" panose="020B0403040502020204" pitchFamily="34" charset="0"/>
-              </a:rPr>
-              <a:t>Questions?</a:t>
-            </a:r>
-          </a:p>
-          <a:p>
-            <a:endParaRPr lang="en-US" sz="2000" b="1" i="1" dirty="0">
-              <a:solidFill>
-                <a:srgbClr val="707070"/>
-              </a:solidFill>
-              <a:latin typeface="Pragmatica" panose="020B0403040502020204" pitchFamily="34" charset="0"/>
-            </a:endParaRPr>
-          </a:p>
-        </p:txBody>
-      </p:sp>
-    </p:spTree>
-    <p:extLst>
-      <p:ext uri="{BB962C8B-B14F-4D97-AF65-F5344CB8AC3E}">
-        <p14:creationId xmlns:p14="http://schemas.microsoft.com/office/powerpoint/2010/main" val="2792158884"/>
-      </p:ext>
-    </p:extLst>
-  </p:cSld>
-  <p:clrMapOvr>
-    <a:masterClrMapping/>
-  </p:clrMapOvr>
-</p:sld>
-</file>
-
-<file path=ppt/slides/slide18.xml><?xml version="1.0" encoding="utf-8"?>
-<p:sld xmlns:a="http://schemas.openxmlformats.org/drawingml/2006/main" xmlns:r="http://schemas.openxmlformats.org/officeDocument/2006/relationships" xmlns:p="http://schemas.openxmlformats.org/presentationml/2006/main">
-  <p:cSld>
-    <p:spTree>
-      <p:nvGrpSpPr>
-        <p:cNvPr id="1" name=""/>
-        <p:cNvGrpSpPr/>
-        <p:nvPr/>
-      </p:nvGrpSpPr>
-      <p:grpSpPr>
-        <a:xfrm>
-          <a:off x="0" y="0"/>
-          <a:ext cx="0" cy="0"/>
-          <a:chOff x="0" y="0"/>
-          <a:chExt cx="0" cy="0"/>
-        </a:xfrm>
-      </p:grpSpPr>
-      <p:pic>
-        <p:nvPicPr>
-          <p:cNvPr id="10" name="Picture 9"/>
-          <p:cNvPicPr>
-            <a:picLocks noChangeAspect="1"/>
-          </p:cNvPicPr>
-          <p:nvPr/>
-        </p:nvPicPr>
-        <p:blipFill rotWithShape="1">
-          <a:blip r:embed="rId2">
-            <a:extLst>
-              <a:ext uri="{28A0092B-C50C-407E-A947-70E740481C1C}">
-                <a14:useLocalDpi xmlns:a14="http://schemas.microsoft.com/office/drawing/2010/main" val="0"/>
-              </a:ext>
-            </a:extLst>
-          </a:blip>
-          <a:srcRect l="50728" t="56371"/>
-          <a:stretch/>
-        </p:blipFill>
-        <p:spPr>
-          <a:xfrm>
-            <a:off x="8136460" y="2210765"/>
-            <a:ext cx="4055539" cy="4647236"/>
-          </a:xfrm>
-          <a:prstGeom prst="rect">
-            <a:avLst/>
-          </a:prstGeom>
-        </p:spPr>
-      </p:pic>
-      <p:pic>
-        <p:nvPicPr>
-          <p:cNvPr id="4" name="Picture 3"/>
-          <p:cNvPicPr>
-            <a:picLocks noChangeAspect="1"/>
-          </p:cNvPicPr>
-          <p:nvPr/>
-        </p:nvPicPr>
-        <p:blipFill>
-          <a:blip r:embed="rId3">
-            <a:extLst>
-              <a:ext uri="{28A0092B-C50C-407E-A947-70E740481C1C}">
-                <a14:useLocalDpi xmlns:a14="http://schemas.microsoft.com/office/drawing/2010/main" val="0"/>
-              </a:ext>
-            </a:extLst>
-          </a:blip>
-          <a:stretch>
-            <a:fillRect/>
-          </a:stretch>
-        </p:blipFill>
-        <p:spPr>
-          <a:xfrm>
-            <a:off x="-538496" y="-2482770"/>
-            <a:ext cx="10171472" cy="7459883"/>
-          </a:xfrm>
-          <a:prstGeom prst="rect">
-            <a:avLst/>
-          </a:prstGeom>
-        </p:spPr>
-      </p:pic>
-      <p:sp>
-        <p:nvSpPr>
-          <p:cNvPr id="11" name="TextBox 10"/>
-          <p:cNvSpPr txBox="1"/>
-          <p:nvPr/>
-        </p:nvSpPr>
-        <p:spPr>
-          <a:xfrm>
-            <a:off x="324091" y="1687545"/>
             <a:ext cx="7986531" cy="2369880"/>
           </a:xfrm>
           <a:prstGeom prst="rect">
@@ -7167,7 +6785,7 @@
         <p:spPr>
           <a:xfrm>
             <a:off x="462987" y="1365813"/>
-            <a:ext cx="9595413" cy="2246769"/>
+            <a:ext cx="9595413" cy="1815882"/>
           </a:xfrm>
           <a:prstGeom prst="rect">
             <a:avLst/>
@@ -7191,7 +6809,7 @@
                 </a:solidFill>
                 <a:latin typeface="Pragmatica" panose="020B0403040502020204" pitchFamily="34" charset="0"/>
               </a:rPr>
-              <a:t>Situate Excel, R and Python in the data analytics stack</a:t>
+              <a:t>Establish aims of exploratory data analysis (EDA)</a:t>
             </a:r>
           </a:p>
           <a:p>
@@ -7206,22 +6824,7 @@
                 </a:solidFill>
                 <a:latin typeface="Pragmatica" panose="020B0403040502020204" pitchFamily="34" charset="0"/>
               </a:rPr>
-              <a:t>Prepare a Windows computer to work in all three</a:t>
-            </a:r>
-          </a:p>
-          <a:p>
-            <a:pPr marL="285750" indent="-285750">
-              <a:buFont typeface="Arial" panose="020B0604020202020204" pitchFamily="34" charset="0"/>
-              <a:buChar char="•"/>
-            </a:pPr>
-            <a:r>
-              <a:rPr lang="en-US" sz="2800" dirty="0">
-                <a:solidFill>
-                  <a:srgbClr val="707070"/>
-                </a:solidFill>
-                <a:latin typeface="Pragmatica" panose="020B0403040502020204" pitchFamily="34" charset="0"/>
-              </a:rPr>
-              <a:t>Run summary statistics on a dataset in all three</a:t>
+              <a:t>Perform basic EDA in Excel</a:t>
             </a:r>
           </a:p>
           <a:p>
@@ -7249,7 +6852,7 @@
     </p:spTree>
     <p:extLst>
       <p:ext uri="{BB962C8B-B14F-4D97-AF65-F5344CB8AC3E}">
-        <p14:creationId xmlns:p14="http://schemas.microsoft.com/office/powerpoint/2010/main" val="3245169404"/>
+        <p14:creationId xmlns:p14="http://schemas.microsoft.com/office/powerpoint/2010/main" val="2948647643"/>
       </p:ext>
     </p:extLst>
   </p:cSld>
@@ -7331,143 +6934,22 @@
               <a:rPr lang="en-US" sz="6000" dirty="0">
                 <a:latin typeface="Aliens &amp; cows" panose="00000500000000000000" pitchFamily="2" charset="0"/>
               </a:rPr>
-              <a:t>It’s all about the audience</a:t>
-            </a:r>
-          </a:p>
-        </p:txBody>
-      </p:sp>
-      <p:sp>
-        <p:nvSpPr>
-          <p:cNvPr id="3" name="TextBox 2"/>
-          <p:cNvSpPr txBox="1"/>
-          <p:nvPr/>
-        </p:nvSpPr>
-        <p:spPr>
-          <a:xfrm>
-            <a:off x="462987" y="1365813"/>
-            <a:ext cx="9595413" cy="2677656"/>
-          </a:xfrm>
-          <a:prstGeom prst="rect">
-            <a:avLst/>
-          </a:prstGeom>
-          <a:noFill/>
-        </p:spPr>
-        <p:txBody>
-          <a:bodyPr wrap="square" rtlCol="0">
-            <a:spAutoFit/>
-          </a:bodyPr>
-          <a:lstStyle/>
-          <a:p>
-            <a:pPr marL="285750" indent="-285750">
-              <a:buFont typeface="Arial" panose="020B0604020202020204" pitchFamily="34" charset="0"/>
-              <a:buChar char="•"/>
-            </a:pPr>
-            <a:r>
-              <a:rPr lang="en-US" sz="2800" dirty="0">
-                <a:solidFill>
-                  <a:srgbClr val="707070"/>
-                </a:solidFill>
-                <a:latin typeface="Pragmatica" panose="020B0403040502020204" pitchFamily="34" charset="0"/>
-              </a:rPr>
-              <a:t>What makes them money? </a:t>
-            </a:r>
-          </a:p>
-          <a:p>
-            <a:pPr marL="285750" indent="-285750">
-              <a:buFont typeface="Arial" panose="020B0604020202020204" pitchFamily="34" charset="0"/>
-              <a:buChar char="•"/>
-            </a:pPr>
-            <a:r>
-              <a:rPr lang="en-US" sz="2800" dirty="0">
-                <a:solidFill>
-                  <a:srgbClr val="707070"/>
-                </a:solidFill>
-                <a:latin typeface="Pragmatica" panose="020B0403040502020204" pitchFamily="34" charset="0"/>
-              </a:rPr>
-              <a:t>What keeps their boss or customers happy?</a:t>
-            </a:r>
-          </a:p>
-          <a:p>
-            <a:pPr marL="285750" indent="-285750">
-              <a:buFont typeface="Arial" panose="020B0604020202020204" pitchFamily="34" charset="0"/>
-              <a:buChar char="•"/>
-            </a:pPr>
-            <a:r>
-              <a:rPr lang="en-US" sz="2800" dirty="0">
-                <a:solidFill>
-                  <a:srgbClr val="707070"/>
-                </a:solidFill>
-                <a:latin typeface="Pragmatica" panose="020B0403040502020204" pitchFamily="34" charset="0"/>
-              </a:rPr>
-              <a:t>What do they </a:t>
-            </a:r>
-            <a:r>
-              <a:rPr lang="en-US" sz="2800" i="1" dirty="0">
-                <a:solidFill>
-                  <a:srgbClr val="707070"/>
-                </a:solidFill>
-                <a:latin typeface="Pragmatica" panose="020B0403040502020204" pitchFamily="34" charset="0"/>
-              </a:rPr>
-              <a:t>assume </a:t>
-            </a:r>
-            <a:r>
-              <a:rPr lang="en-US" sz="2800" dirty="0">
-                <a:solidFill>
-                  <a:srgbClr val="707070"/>
-                </a:solidFill>
-                <a:latin typeface="Pragmatica" panose="020B0403040502020204" pitchFamily="34" charset="0"/>
-              </a:rPr>
-              <a:t>to be true?</a:t>
-            </a:r>
-          </a:p>
-          <a:p>
-            <a:pPr marL="742950" lvl="1" indent="-285750">
-              <a:buFont typeface="Arial" panose="020B0604020202020204" pitchFamily="34" charset="0"/>
-              <a:buChar char="•"/>
-            </a:pPr>
-            <a:r>
-              <a:rPr lang="en-US" sz="2800" dirty="0">
-                <a:solidFill>
-                  <a:srgbClr val="707070"/>
-                </a:solidFill>
-                <a:latin typeface="Pragmatica" panose="020B0403040502020204" pitchFamily="34" charset="0"/>
-              </a:rPr>
-              <a:t>What does it mean if they’re wrong? </a:t>
-            </a:r>
-          </a:p>
-          <a:p>
-            <a:pPr marL="285750" indent="-285750">
-              <a:buFont typeface="Arial" panose="020B0604020202020204" pitchFamily="34" charset="0"/>
-              <a:buChar char="•"/>
-            </a:pPr>
-            <a:endParaRPr lang="en-US" sz="2800" dirty="0">
-              <a:solidFill>
-                <a:srgbClr val="707070"/>
-              </a:solidFill>
-              <a:latin typeface="Pragmatica" panose="020B0403040502020204" pitchFamily="34" charset="0"/>
-            </a:endParaRPr>
-          </a:p>
-          <a:p>
-            <a:endParaRPr lang="en-US" sz="2800" dirty="0">
-              <a:solidFill>
-                <a:srgbClr val="707070"/>
-              </a:solidFill>
-              <a:latin typeface="Pragmatica" panose="020B0403040502020204" pitchFamily="34" charset="0"/>
-            </a:endParaRPr>
+              <a:t>What’s in a dataset?</a:t>
+            </a:r>
           </a:p>
         </p:txBody>
       </p:sp>
       <p:pic>
         <p:nvPicPr>
-          <p:cNvPr id="1026" name="Picture 2" descr="MythBusters Goes Out with a Bang - Discovery, Inc.">
+          <p:cNvPr id="4" name="Graphic 3" descr="Table with solid fill">
             <a:extLst>
               <a:ext uri="{FF2B5EF4-FFF2-40B4-BE49-F238E27FC236}">
-                <a16:creationId xmlns:a16="http://schemas.microsoft.com/office/drawing/2014/main" id="{C91A62C5-1BE3-4CB7-A2D9-46B5F2BD5B70}"/>
+                <a16:creationId xmlns:a16="http://schemas.microsoft.com/office/drawing/2014/main" id="{AB43D552-7653-499E-9BFE-19FE992730D1}"/>
               </a:ext>
             </a:extLst>
           </p:cNvPr>
           <p:cNvPicPr>
-            <a:picLocks noChangeAspect="1" noChangeArrowheads="1"/>
+            <a:picLocks noChangeAspect="1"/>
           </p:cNvPicPr>
           <p:nvPr/>
         </p:nvPicPr>
@@ -7477,39 +6959,129 @@
               <a:ext uri="{28A0092B-C50C-407E-A947-70E740481C1C}">
                 <a14:useLocalDpi xmlns:a14="http://schemas.microsoft.com/office/drawing/2010/main" val="0"/>
               </a:ext>
+              <a:ext uri="{96DAC541-7B7A-43D3-8B79-37D633B846F1}">
+                <asvg:svgBlip xmlns:asvg="http://schemas.microsoft.com/office/drawing/2016/SVG/main" r:embed="rId4"/>
+              </a:ext>
             </a:extLst>
           </a:blip>
-          <a:srcRect/>
           <a:stretch>
             <a:fillRect/>
           </a:stretch>
         </p:blipFill>
-        <p:spPr bwMode="auto">
+        <p:spPr>
           <a:xfrm>
-            <a:off x="5908697" y="3592079"/>
-            <a:ext cx="4985327" cy="2617297"/>
+            <a:off x="347240" y="1569360"/>
+            <a:ext cx="5583765" cy="5583765"/>
           </a:xfrm>
           <a:prstGeom prst="rect">
             <a:avLst/>
           </a:prstGeom>
-          <a:noFill/>
-          <a:extLst>
-            <a:ext uri="{909E8E84-426E-40DD-AFC4-6F175D3DCCD1}">
-              <a14:hiddenFill xmlns:a14="http://schemas.microsoft.com/office/drawing/2010/main">
-                <a:solidFill>
-                  <a:srgbClr val="FFFFFF"/>
-                </a:solidFill>
-              </a14:hiddenFill>
-            </a:ext>
-          </a:extLst>
         </p:spPr>
       </p:pic>
       <p:sp>
         <p:nvSpPr>
-          <p:cNvPr id="7" name="TextBox 6">
+          <p:cNvPr id="5" name="Right Brace 4">
             <a:extLst>
               <a:ext uri="{FF2B5EF4-FFF2-40B4-BE49-F238E27FC236}">
-                <a16:creationId xmlns:a16="http://schemas.microsoft.com/office/drawing/2014/main" id="{C4C4A3ED-3420-44FF-9A47-D5D6C929C17D}"/>
+                <a16:creationId xmlns:a16="http://schemas.microsoft.com/office/drawing/2014/main" id="{897C1E4C-DE27-4CAE-BD0E-2A9BA77F1508}"/>
+              </a:ext>
+            </a:extLst>
+          </p:cNvPr>
+          <p:cNvSpPr/>
+          <p:nvPr/>
+        </p:nvSpPr>
+        <p:spPr>
+          <a:xfrm>
+            <a:off x="5899739" y="2716437"/>
+            <a:ext cx="336024" cy="3289612"/>
+          </a:xfrm>
+          <a:prstGeom prst="rightBrace">
+            <a:avLst/>
+          </a:prstGeom>
+          <a:ln w="57150">
+            <a:solidFill>
+              <a:srgbClr val="707070"/>
+            </a:solidFill>
+          </a:ln>
+        </p:spPr>
+        <p:style>
+          <a:lnRef idx="1">
+            <a:schemeClr val="accent1"/>
+          </a:lnRef>
+          <a:fillRef idx="0">
+            <a:schemeClr val="accent1"/>
+          </a:fillRef>
+          <a:effectRef idx="0">
+            <a:schemeClr val="accent1"/>
+          </a:effectRef>
+          <a:fontRef idx="minor">
+            <a:schemeClr val="tx1"/>
+          </a:fontRef>
+        </p:style>
+        <p:txBody>
+          <a:bodyPr rtlCol="0" anchor="ctr"/>
+          <a:lstStyle/>
+          <a:p>
+            <a:pPr algn="ctr"/>
+            <a:endParaRPr lang="en-US"/>
+          </a:p>
+        </p:txBody>
+      </p:sp>
+      <p:sp>
+        <p:nvSpPr>
+          <p:cNvPr id="8" name="Right Brace 7">
+            <a:extLst>
+              <a:ext uri="{FF2B5EF4-FFF2-40B4-BE49-F238E27FC236}">
+                <a16:creationId xmlns:a16="http://schemas.microsoft.com/office/drawing/2014/main" id="{2CBF31FC-5E44-437F-A2EF-BCDE1480F385}"/>
+              </a:ext>
+            </a:extLst>
+          </p:cNvPr>
+          <p:cNvSpPr/>
+          <p:nvPr/>
+        </p:nvSpPr>
+        <p:spPr>
+          <a:xfrm rot="16200000">
+            <a:off x="2960276" y="96643"/>
+            <a:ext cx="392523" cy="4705818"/>
+          </a:xfrm>
+          <a:prstGeom prst="rightBrace">
+            <a:avLst/>
+          </a:prstGeom>
+          <a:ln w="57150">
+            <a:solidFill>
+              <a:srgbClr val="707070"/>
+            </a:solidFill>
+          </a:ln>
+        </p:spPr>
+        <p:style>
+          <a:lnRef idx="1">
+            <a:schemeClr val="accent1"/>
+          </a:lnRef>
+          <a:fillRef idx="0">
+            <a:schemeClr val="accent1"/>
+          </a:fillRef>
+          <a:effectRef idx="0">
+            <a:schemeClr val="accent1"/>
+          </a:effectRef>
+          <a:fontRef idx="minor">
+            <a:schemeClr val="tx1"/>
+          </a:fontRef>
+        </p:style>
+        <p:txBody>
+          <a:bodyPr rtlCol="0" anchor="ctr"/>
+          <a:lstStyle/>
+          <a:p>
+            <a:pPr algn="ctr"/>
+            <a:endParaRPr lang="en-US"/>
+          </a:p>
+        </p:txBody>
+      </p:sp>
+      <p:sp>
+        <p:nvSpPr>
+          <p:cNvPr id="9" name="TextBox 8">
+            <a:extLst>
+              <a:ext uri="{FF2B5EF4-FFF2-40B4-BE49-F238E27FC236}">
+                <a16:creationId xmlns:a16="http://schemas.microsoft.com/office/drawing/2014/main" id="{032F37C5-AD9F-42CF-A83A-C4BD7EFBC533}"/>
               </a:ext>
             </a:extLst>
           </p:cNvPr>
@@ -7518,8 +7090,8 @@
         </p:nvSpPr>
         <p:spPr>
           <a:xfrm>
-            <a:off x="4786480" y="6269735"/>
-            <a:ext cx="6107544" cy="646331"/>
+            <a:off x="1524292" y="1442139"/>
+            <a:ext cx="9595413" cy="523220"/>
           </a:xfrm>
           <a:prstGeom prst="rect">
             <a:avLst/>
@@ -7527,14 +7099,59 @@
           <a:noFill/>
         </p:spPr>
         <p:txBody>
-          <a:bodyPr wrap="square">
+          <a:bodyPr wrap="square" rtlCol="0">
             <a:spAutoFit/>
           </a:bodyPr>
           <a:lstStyle/>
           <a:p>
             <a:r>
-              <a:rPr lang="en-US" dirty="0"/>
-              <a:t>https://corporate.discovery.com/blog/2016/03/01/mythbusters-goes-out-with-a-bang/</a:t>
+              <a:rPr lang="en-US" sz="2800" dirty="0">
+                <a:solidFill>
+                  <a:srgbClr val="707070"/>
+                </a:solidFill>
+                <a:latin typeface="Pragmatica" panose="020B0403040502020204" pitchFamily="34" charset="0"/>
+              </a:rPr>
+              <a:t>Variables… vary</a:t>
+            </a:r>
+          </a:p>
+        </p:txBody>
+      </p:sp>
+      <p:sp>
+        <p:nvSpPr>
+          <p:cNvPr id="12" name="TextBox 11">
+            <a:extLst>
+              <a:ext uri="{FF2B5EF4-FFF2-40B4-BE49-F238E27FC236}">
+                <a16:creationId xmlns:a16="http://schemas.microsoft.com/office/drawing/2014/main" id="{074ACF14-B3D8-4006-89E6-9321513F0F24}"/>
+              </a:ext>
+            </a:extLst>
+          </p:cNvPr>
+          <p:cNvSpPr txBox="1"/>
+          <p:nvPr/>
+        </p:nvSpPr>
+        <p:spPr>
+          <a:xfrm>
+            <a:off x="6440495" y="3269980"/>
+            <a:ext cx="3432954" cy="954107"/>
+          </a:xfrm>
+          <a:prstGeom prst="rect">
+            <a:avLst/>
+          </a:prstGeom>
+          <a:noFill/>
+        </p:spPr>
+        <p:txBody>
+          <a:bodyPr wrap="square" rtlCol="0">
+            <a:spAutoFit/>
+          </a:bodyPr>
+          <a:lstStyle/>
+          <a:p>
+            <a:r>
+              <a:rPr lang="en-US" sz="2800" dirty="0">
+                <a:solidFill>
+                  <a:srgbClr val="707070"/>
+                </a:solidFill>
+                <a:latin typeface="Pragmatica" panose="020B0403040502020204" pitchFamily="34" charset="0"/>
+              </a:rPr>
+              <a:t>Observations… are observed</a:t>
             </a:r>
           </a:p>
         </p:txBody>
@@ -7542,7 +7159,7 @@
     </p:spTree>
     <p:extLst>
       <p:ext uri="{BB962C8B-B14F-4D97-AF65-F5344CB8AC3E}">
-        <p14:creationId xmlns:p14="http://schemas.microsoft.com/office/powerpoint/2010/main" val="3214688700"/>
+        <p14:creationId xmlns:p14="http://schemas.microsoft.com/office/powerpoint/2010/main" val="904060236"/>
       </p:ext>
     </p:extLst>
   </p:cSld>
@@ -7624,21 +7241,39 @@
               <a:rPr lang="en-US" sz="6000" dirty="0">
                 <a:latin typeface="Aliens &amp; cows" panose="00000500000000000000" pitchFamily="2" charset="0"/>
               </a:rPr>
-              <a:t>Learning objectives</a:t>
-            </a:r>
-          </a:p>
-        </p:txBody>
-      </p:sp>
-      <p:sp>
-        <p:nvSpPr>
-          <p:cNvPr id="3" name="TextBox 2"/>
+              <a:t>What’s in an </a:t>
+            </a:r>
+            <a:r>
+              <a:rPr lang="en-US" sz="6000" dirty="0" err="1">
+                <a:latin typeface="Aliens &amp; cows" panose="00000500000000000000" pitchFamily="2" charset="0"/>
+              </a:rPr>
+              <a:t>eda</a:t>
+            </a:r>
+            <a:r>
+              <a:rPr lang="en-US" sz="6000" dirty="0">
+                <a:latin typeface="Aliens &amp; cows" panose="00000500000000000000" pitchFamily="2" charset="0"/>
+              </a:rPr>
+              <a:t>? </a:t>
+            </a:r>
+          </a:p>
+        </p:txBody>
+      </p:sp>
+      <p:sp>
+        <p:nvSpPr>
+          <p:cNvPr id="13" name="TextBox 12">
+            <a:extLst>
+              <a:ext uri="{FF2B5EF4-FFF2-40B4-BE49-F238E27FC236}">
+                <a16:creationId xmlns:a16="http://schemas.microsoft.com/office/drawing/2014/main" id="{028B35C6-31DB-454A-95C1-1F1FC93CAB77}"/>
+              </a:ext>
+            </a:extLst>
+          </p:cNvPr>
           <p:cNvSpPr txBox="1"/>
           <p:nvPr/>
         </p:nvSpPr>
         <p:spPr>
           <a:xfrm>
             <a:off x="462987" y="1365813"/>
-            <a:ext cx="9595413" cy="2246769"/>
+            <a:ext cx="9595413" cy="3970318"/>
           </a:xfrm>
           <a:prstGeom prst="rect">
             <a:avLst/>
@@ -7651,10 +7286,6 @@
           </a:bodyPr>
           <a:lstStyle/>
           <a:p>
-            <a:pPr marL="285750" indent="-285750">
-              <a:buFont typeface="Arial" panose="020B0604020202020204" pitchFamily="34" charset="0"/>
-              <a:buChar char="•"/>
-            </a:pPr>
             <a:r>
               <a:rPr lang="en-US" sz="2800" dirty="0">
                 <a:solidFill>
@@ -7662,11 +7293,19 @@
                 </a:solidFill>
                 <a:latin typeface="Pragmatica" panose="020B0403040502020204" pitchFamily="34" charset="0"/>
               </a:rPr>
-              <a:t>Situate Excel, R and Python in the data analytics stack</a:t>
-            </a:r>
-          </a:p>
-          <a:p>
-            <a:pPr marL="285750" indent="-285750">
+              <a:t>Interview the data:</a:t>
+            </a:r>
+          </a:p>
+          <a:p>
+            <a:endParaRPr lang="en-US" sz="2800" dirty="0">
+              <a:solidFill>
+                <a:srgbClr val="707070"/>
+              </a:solidFill>
+              <a:latin typeface="Pragmatica" panose="020B0403040502020204" pitchFamily="34" charset="0"/>
+            </a:endParaRPr>
+          </a:p>
+          <a:p>
+            <a:pPr marL="457200" indent="-457200">
               <a:buFont typeface="Arial" panose="020B0604020202020204" pitchFamily="34" charset="0"/>
               <a:buChar char="•"/>
             </a:pPr>
@@ -7677,11 +7316,11 @@
                 </a:solidFill>
                 <a:latin typeface="Pragmatica" panose="020B0403040502020204" pitchFamily="34" charset="0"/>
               </a:rPr>
-              <a:t>Prepare a Windows computer to work in all three</a:t>
-            </a:r>
-          </a:p>
-          <a:p>
-            <a:pPr marL="285750" indent="-285750">
+              <a:t>What sorts of stories are possible? </a:t>
+            </a:r>
+          </a:p>
+          <a:p>
+            <a:pPr marL="457200" indent="-457200">
               <a:buFont typeface="Arial" panose="020B0604020202020204" pitchFamily="34" charset="0"/>
               <a:buChar char="•"/>
             </a:pPr>
@@ -7692,14 +7331,40 @@
                 </a:solidFill>
                 <a:latin typeface="Pragmatica" panose="020B0403040502020204" pitchFamily="34" charset="0"/>
               </a:rPr>
-              <a:t>Run summary statistics on a dataset in all three</a:t>
-            </a:r>
-          </a:p>
-          <a:p>
-            <a:pPr marL="285750" indent="-285750">
+              <a:t>What types of variables are there? </a:t>
+            </a:r>
+          </a:p>
+          <a:p>
+            <a:pPr marL="457200" indent="-457200">
               <a:buFont typeface="Arial" panose="020B0604020202020204" pitchFamily="34" charset="0"/>
               <a:buChar char="•"/>
             </a:pPr>
+            <a:r>
+              <a:rPr lang="en-US" sz="2800" dirty="0">
+                <a:solidFill>
+                  <a:srgbClr val="707070"/>
+                </a:solidFill>
+                <a:latin typeface="Pragmatica" panose="020B0403040502020204" pitchFamily="34" charset="0"/>
+              </a:rPr>
+              <a:t>How can we “summarize” them (frequencies, descriptive statistics, etc.)? </a:t>
+            </a:r>
+          </a:p>
+          <a:p>
+            <a:pPr marL="457200" indent="-457200">
+              <a:buFont typeface="Arial" panose="020B0604020202020204" pitchFamily="34" charset="0"/>
+              <a:buChar char="•"/>
+            </a:pPr>
+            <a:r>
+              <a:rPr lang="en-US" sz="2800" dirty="0">
+                <a:solidFill>
+                  <a:srgbClr val="707070"/>
+                </a:solidFill>
+                <a:latin typeface="Pragmatica" panose="020B0403040502020204" pitchFamily="34" charset="0"/>
+              </a:rPr>
+              <a:t>How can we depict them visually? </a:t>
+            </a:r>
+          </a:p>
+          <a:p>
             <a:endParaRPr lang="en-US" sz="2800" dirty="0">
               <a:solidFill>
                 <a:srgbClr val="707070"/>
@@ -7720,7 +7385,7 @@
     </p:spTree>
     <p:extLst>
       <p:ext uri="{BB962C8B-B14F-4D97-AF65-F5344CB8AC3E}">
-        <p14:creationId xmlns:p14="http://schemas.microsoft.com/office/powerpoint/2010/main" val="2948647643"/>
+        <p14:creationId xmlns:p14="http://schemas.microsoft.com/office/powerpoint/2010/main" val="2480351462"/>
       </p:ext>
     </p:extLst>
   </p:cSld>
@@ -7756,7 +7421,7 @@
           <p:nvPr/>
         </p:nvPicPr>
         <p:blipFill rotWithShape="1">
-          <a:blip r:embed="rId2">
+          <a:blip r:embed="rId3">
             <a:extLst>
               <a:ext uri="{28A0092B-C50C-407E-A947-70E740481C1C}">
                 <a14:useLocalDpi xmlns:a14="http://schemas.microsoft.com/office/drawing/2010/main" val="0"/>
@@ -7802,17 +7467,89 @@
               <a:rPr lang="en-US" sz="6000" dirty="0">
                 <a:latin typeface="Aliens &amp; cows" panose="00000500000000000000" pitchFamily="2" charset="0"/>
               </a:rPr>
-              <a:t>What’s in a dataset?</a:t>
-            </a:r>
+              <a:t>The tree of data</a:t>
+            </a:r>
+          </a:p>
+        </p:txBody>
+      </p:sp>
+      <p:sp>
+        <p:nvSpPr>
+          <p:cNvPr id="7" name="TextBox 6">
+            <a:extLst>
+              <a:ext uri="{FF2B5EF4-FFF2-40B4-BE49-F238E27FC236}">
+                <a16:creationId xmlns:a16="http://schemas.microsoft.com/office/drawing/2014/main" id="{CFAB272F-EC83-45BA-935F-DFBF5407D2B6}"/>
+              </a:ext>
+            </a:extLst>
+          </p:cNvPr>
+          <p:cNvSpPr txBox="1"/>
+          <p:nvPr/>
+        </p:nvSpPr>
+        <p:spPr>
+          <a:xfrm>
+            <a:off x="261704" y="6114327"/>
+            <a:ext cx="9493446" cy="369332"/>
+          </a:xfrm>
+          <a:prstGeom prst="rect">
+            <a:avLst/>
+          </a:prstGeom>
+          <a:noFill/>
+        </p:spPr>
+        <p:txBody>
+          <a:bodyPr wrap="square" rtlCol="0">
+            <a:spAutoFit/>
+          </a:bodyPr>
+          <a:lstStyle/>
+          <a:p>
+            <a:r>
+              <a:rPr lang="en-US" dirty="0">
+                <a:solidFill>
+                  <a:schemeClr val="bg1">
+                    <a:lumMod val="50000"/>
+                  </a:schemeClr>
+                </a:solidFill>
+                <a:latin typeface="Pragmatica" pitchFamily="2" charset="0"/>
+              </a:rPr>
+              <a:t>Mount, George. </a:t>
+            </a:r>
+            <a:r>
+              <a:rPr lang="en-US" i="1" dirty="0">
+                <a:solidFill>
+                  <a:schemeClr val="bg1">
+                    <a:lumMod val="50000"/>
+                  </a:schemeClr>
+                </a:solidFill>
+                <a:latin typeface="Pragmatica" pitchFamily="2" charset="0"/>
+              </a:rPr>
+              <a:t>Advancing into Analytics: From Excel to Python and R</a:t>
+            </a:r>
+            <a:r>
+              <a:rPr lang="en-US" dirty="0">
+                <a:solidFill>
+                  <a:schemeClr val="bg1">
+                    <a:lumMod val="50000"/>
+                  </a:schemeClr>
+                </a:solidFill>
+                <a:latin typeface="Pragmatica" pitchFamily="2" charset="0"/>
+              </a:rPr>
+              <a:t>. O’Reilly Media, 2021</a:t>
+            </a:r>
+            <a:endParaRPr lang="en-US" i="1" dirty="0">
+              <a:solidFill>
+                <a:schemeClr val="bg1">
+                  <a:lumMod val="50000"/>
+                </a:schemeClr>
+              </a:solidFill>
+              <a:latin typeface="Pragmatica" pitchFamily="2" charset="0"/>
+            </a:endParaRPr>
           </a:p>
         </p:txBody>
       </p:sp>
       <p:pic>
         <p:nvPicPr>
-          <p:cNvPr id="4" name="Graphic 3" descr="Table with solid fill">
+          <p:cNvPr id="3" name="Picture 2" descr="Diagram&#10;&#10;Description automatically generated">
             <a:extLst>
               <a:ext uri="{FF2B5EF4-FFF2-40B4-BE49-F238E27FC236}">
-                <a16:creationId xmlns:a16="http://schemas.microsoft.com/office/drawing/2014/main" id="{AB43D552-7653-499E-9BFE-19FE992730D1}"/>
+                <a16:creationId xmlns:a16="http://schemas.microsoft.com/office/drawing/2014/main" id="{F62938BD-1388-4B93-BCA8-422F8A964B88}"/>
               </a:ext>
             </a:extLst>
           </p:cNvPr>
@@ -7822,13 +7559,10 @@
           <p:nvPr/>
         </p:nvPicPr>
         <p:blipFill>
-          <a:blip r:embed="rId3">
+          <a:blip r:embed="rId4">
             <a:extLst>
               <a:ext uri="{28A0092B-C50C-407E-A947-70E740481C1C}">
                 <a14:useLocalDpi xmlns:a14="http://schemas.microsoft.com/office/drawing/2010/main" val="0"/>
-              </a:ext>
-              <a:ext uri="{96DAC541-7B7A-43D3-8B79-37D633B846F1}">
-                <asvg:svgBlip xmlns:asvg="http://schemas.microsoft.com/office/drawing/2016/SVG/main" r:embed="rId4"/>
               </a:ext>
             </a:extLst>
           </a:blip>
@@ -7838,196 +7572,18 @@
         </p:blipFill>
         <p:spPr>
           <a:xfrm>
-            <a:off x="347240" y="1569360"/>
-            <a:ext cx="5583765" cy="5583765"/>
+            <a:off x="917257" y="1529723"/>
+            <a:ext cx="10500602" cy="3798554"/>
           </a:xfrm>
           <a:prstGeom prst="rect">
             <a:avLst/>
           </a:prstGeom>
         </p:spPr>
       </p:pic>
-      <p:sp>
-        <p:nvSpPr>
-          <p:cNvPr id="5" name="Right Brace 4">
-            <a:extLst>
-              <a:ext uri="{FF2B5EF4-FFF2-40B4-BE49-F238E27FC236}">
-                <a16:creationId xmlns:a16="http://schemas.microsoft.com/office/drawing/2014/main" id="{897C1E4C-DE27-4CAE-BD0E-2A9BA77F1508}"/>
-              </a:ext>
-            </a:extLst>
-          </p:cNvPr>
-          <p:cNvSpPr/>
-          <p:nvPr/>
-        </p:nvSpPr>
-        <p:spPr>
-          <a:xfrm>
-            <a:off x="5899739" y="2716437"/>
-            <a:ext cx="336024" cy="3289612"/>
-          </a:xfrm>
-          <a:prstGeom prst="rightBrace">
-            <a:avLst/>
-          </a:prstGeom>
-          <a:ln w="57150">
-            <a:solidFill>
-              <a:srgbClr val="707070"/>
-            </a:solidFill>
-          </a:ln>
-        </p:spPr>
-        <p:style>
-          <a:lnRef idx="1">
-            <a:schemeClr val="accent1"/>
-          </a:lnRef>
-          <a:fillRef idx="0">
-            <a:schemeClr val="accent1"/>
-          </a:fillRef>
-          <a:effectRef idx="0">
-            <a:schemeClr val="accent1"/>
-          </a:effectRef>
-          <a:fontRef idx="minor">
-            <a:schemeClr val="tx1"/>
-          </a:fontRef>
-        </p:style>
-        <p:txBody>
-          <a:bodyPr rtlCol="0" anchor="ctr"/>
-          <a:lstStyle/>
-          <a:p>
-            <a:pPr algn="ctr"/>
-            <a:endParaRPr lang="en-US"/>
-          </a:p>
-        </p:txBody>
-      </p:sp>
-      <p:sp>
-        <p:nvSpPr>
-          <p:cNvPr id="8" name="Right Brace 7">
-            <a:extLst>
-              <a:ext uri="{FF2B5EF4-FFF2-40B4-BE49-F238E27FC236}">
-                <a16:creationId xmlns:a16="http://schemas.microsoft.com/office/drawing/2014/main" id="{2CBF31FC-5E44-437F-A2EF-BCDE1480F385}"/>
-              </a:ext>
-            </a:extLst>
-          </p:cNvPr>
-          <p:cNvSpPr/>
-          <p:nvPr/>
-        </p:nvSpPr>
-        <p:spPr>
-          <a:xfrm rot="16200000">
-            <a:off x="2960276" y="96643"/>
-            <a:ext cx="392523" cy="4705818"/>
-          </a:xfrm>
-          <a:prstGeom prst="rightBrace">
-            <a:avLst/>
-          </a:prstGeom>
-          <a:ln w="57150">
-            <a:solidFill>
-              <a:srgbClr val="707070"/>
-            </a:solidFill>
-          </a:ln>
-        </p:spPr>
-        <p:style>
-          <a:lnRef idx="1">
-            <a:schemeClr val="accent1"/>
-          </a:lnRef>
-          <a:fillRef idx="0">
-            <a:schemeClr val="accent1"/>
-          </a:fillRef>
-          <a:effectRef idx="0">
-            <a:schemeClr val="accent1"/>
-          </a:effectRef>
-          <a:fontRef idx="minor">
-            <a:schemeClr val="tx1"/>
-          </a:fontRef>
-        </p:style>
-        <p:txBody>
-          <a:bodyPr rtlCol="0" anchor="ctr"/>
-          <a:lstStyle/>
-          <a:p>
-            <a:pPr algn="ctr"/>
-            <a:endParaRPr lang="en-US"/>
-          </a:p>
-        </p:txBody>
-      </p:sp>
-      <p:sp>
-        <p:nvSpPr>
-          <p:cNvPr id="9" name="TextBox 8">
-            <a:extLst>
-              <a:ext uri="{FF2B5EF4-FFF2-40B4-BE49-F238E27FC236}">
-                <a16:creationId xmlns:a16="http://schemas.microsoft.com/office/drawing/2014/main" id="{032F37C5-AD9F-42CF-A83A-C4BD7EFBC533}"/>
-              </a:ext>
-            </a:extLst>
-          </p:cNvPr>
-          <p:cNvSpPr txBox="1"/>
-          <p:nvPr/>
-        </p:nvSpPr>
-        <p:spPr>
-          <a:xfrm>
-            <a:off x="1524292" y="1442139"/>
-            <a:ext cx="9595413" cy="523220"/>
-          </a:xfrm>
-          <a:prstGeom prst="rect">
-            <a:avLst/>
-          </a:prstGeom>
-          <a:noFill/>
-        </p:spPr>
-        <p:txBody>
-          <a:bodyPr wrap="square" rtlCol="0">
-            <a:spAutoFit/>
-          </a:bodyPr>
-          <a:lstStyle/>
-          <a:p>
-            <a:r>
-              <a:rPr lang="en-US" sz="2800" dirty="0">
-                <a:solidFill>
-                  <a:srgbClr val="707070"/>
-                </a:solidFill>
-                <a:latin typeface="Pragmatica" panose="020B0403040502020204" pitchFamily="34" charset="0"/>
-              </a:rPr>
-              <a:t>Variables… vary</a:t>
-            </a:r>
-          </a:p>
-        </p:txBody>
-      </p:sp>
-      <p:sp>
-        <p:nvSpPr>
-          <p:cNvPr id="12" name="TextBox 11">
-            <a:extLst>
-              <a:ext uri="{FF2B5EF4-FFF2-40B4-BE49-F238E27FC236}">
-                <a16:creationId xmlns:a16="http://schemas.microsoft.com/office/drawing/2014/main" id="{074ACF14-B3D8-4006-89E6-9321513F0F24}"/>
-              </a:ext>
-            </a:extLst>
-          </p:cNvPr>
-          <p:cNvSpPr txBox="1"/>
-          <p:nvPr/>
-        </p:nvSpPr>
-        <p:spPr>
-          <a:xfrm>
-            <a:off x="6440495" y="3269980"/>
-            <a:ext cx="3432954" cy="954107"/>
-          </a:xfrm>
-          <a:prstGeom prst="rect">
-            <a:avLst/>
-          </a:prstGeom>
-          <a:noFill/>
-        </p:spPr>
-        <p:txBody>
-          <a:bodyPr wrap="square" rtlCol="0">
-            <a:spAutoFit/>
-          </a:bodyPr>
-          <a:lstStyle/>
-          <a:p>
-            <a:r>
-              <a:rPr lang="en-US" sz="2800" dirty="0">
-                <a:solidFill>
-                  <a:srgbClr val="707070"/>
-                </a:solidFill>
-                <a:latin typeface="Pragmatica" panose="020B0403040502020204" pitchFamily="34" charset="0"/>
-              </a:rPr>
-              <a:t>Observations… are observed</a:t>
-            </a:r>
-          </a:p>
-        </p:txBody>
-      </p:sp>
     </p:spTree>
     <p:extLst>
       <p:ext uri="{BB962C8B-B14F-4D97-AF65-F5344CB8AC3E}">
-        <p14:creationId xmlns:p14="http://schemas.microsoft.com/office/powerpoint/2010/main" val="904060236"/>
+        <p14:creationId xmlns:p14="http://schemas.microsoft.com/office/powerpoint/2010/main" val="3729633991"/>
       </p:ext>
     </p:extLst>
   </p:cSld>
@@ -8063,7 +7619,7 @@
           <p:nvPr/>
         </p:nvPicPr>
         <p:blipFill rotWithShape="1">
-          <a:blip r:embed="rId2">
+          <a:blip r:embed="rId3">
             <a:extLst>
               <a:ext uri="{28A0092B-C50C-407E-A947-70E740481C1C}">
                 <a14:useLocalDpi xmlns:a14="http://schemas.microsoft.com/office/drawing/2010/main" val="0"/>
@@ -8109,29 +7665,17 @@
               <a:rPr lang="en-US" sz="6000" dirty="0">
                 <a:latin typeface="Aliens &amp; cows" panose="00000500000000000000" pitchFamily="2" charset="0"/>
               </a:rPr>
-              <a:t>What’s in an </a:t>
-            </a:r>
-            <a:r>
-              <a:rPr lang="en-US" sz="6000" dirty="0" err="1">
-                <a:latin typeface="Aliens &amp; cows" panose="00000500000000000000" pitchFamily="2" charset="0"/>
-              </a:rPr>
-              <a:t>eda</a:t>
-            </a:r>
-            <a:r>
-              <a:rPr lang="en-US" sz="6000" dirty="0">
-                <a:latin typeface="Aliens &amp; cows" panose="00000500000000000000" pitchFamily="2" charset="0"/>
-              </a:rPr>
-              <a:t>? </a:t>
-            </a:r>
-          </a:p>
-        </p:txBody>
-      </p:sp>
-      <p:sp>
-        <p:nvSpPr>
-          <p:cNvPr id="13" name="TextBox 12">
+              <a:t>“How much?”</a:t>
+            </a:r>
+          </a:p>
+        </p:txBody>
+      </p:sp>
+      <p:sp>
+        <p:nvSpPr>
+          <p:cNvPr id="7" name="TextBox 6">
             <a:extLst>
               <a:ext uri="{FF2B5EF4-FFF2-40B4-BE49-F238E27FC236}">
-                <a16:creationId xmlns:a16="http://schemas.microsoft.com/office/drawing/2014/main" id="{028B35C6-31DB-454A-95C1-1F1FC93CAB77}"/>
+                <a16:creationId xmlns:a16="http://schemas.microsoft.com/office/drawing/2014/main" id="{CFAB272F-EC83-45BA-935F-DFBF5407D2B6}"/>
               </a:ext>
             </a:extLst>
           </p:cNvPr>
@@ -8140,8 +7684,8 @@
         </p:nvSpPr>
         <p:spPr>
           <a:xfrm>
-            <a:off x="462987" y="1365813"/>
-            <a:ext cx="9595413" cy="3970318"/>
+            <a:off x="1825343" y="5087081"/>
+            <a:ext cx="3007834" cy="646331"/>
           </a:xfrm>
           <a:prstGeom prst="rect">
             <a:avLst/>
@@ -8154,106 +7698,188 @@
           </a:bodyPr>
           <a:lstStyle/>
           <a:p>
-            <a:r>
-              <a:rPr lang="en-US" sz="2800" dirty="0">
+            <a:pPr algn="ctr"/>
+            <a:r>
+              <a:rPr lang="en-US" dirty="0">
                 <a:solidFill>
-                  <a:srgbClr val="707070"/>
+                  <a:schemeClr val="bg1">
+                    <a:lumMod val="50000"/>
+                  </a:schemeClr>
                 </a:solidFill>
-                <a:latin typeface="Pragmatica" panose="020B0403040502020204" pitchFamily="34" charset="0"/>
+                <a:latin typeface="Pragmatica" pitchFamily="2" charset="0"/>
               </a:rPr>
-              <a:t>Interview the data:</a:t>
-            </a:r>
-          </a:p>
-          <a:p>
-            <a:endParaRPr lang="en-US" sz="2800" dirty="0">
-              <a:solidFill>
-                <a:srgbClr val="707070"/>
-              </a:solidFill>
-              <a:latin typeface="Pragmatica" panose="020B0403040502020204" pitchFamily="34" charset="0"/>
-            </a:endParaRPr>
-          </a:p>
-          <a:p>
-            <a:pPr marL="457200" indent="-457200">
-              <a:buFont typeface="Arial" panose="020B0604020202020204" pitchFamily="34" charset="0"/>
-              <a:buChar char="•"/>
-            </a:pPr>
-            <a:r>
-              <a:rPr lang="en-US" sz="2800" dirty="0">
+              <a:t>Made purchase?</a:t>
+            </a:r>
+          </a:p>
+          <a:p>
+            <a:pPr algn="ctr"/>
+            <a:r>
+              <a:rPr lang="en-US" dirty="0">
                 <a:solidFill>
-                  <a:srgbClr val="707070"/>
+                  <a:schemeClr val="bg1">
+                    <a:lumMod val="50000"/>
+                  </a:schemeClr>
                 </a:solidFill>
-                <a:latin typeface="Pragmatica" panose="020B0403040502020204" pitchFamily="34" charset="0"/>
+                <a:latin typeface="Pragmatica" pitchFamily="2" charset="0"/>
               </a:rPr>
-              <a:t>What sorts of stories are possible? </a:t>
-            </a:r>
-          </a:p>
-          <a:p>
-            <a:pPr marL="457200" indent="-457200">
-              <a:buFont typeface="Arial" panose="020B0604020202020204" pitchFamily="34" charset="0"/>
-              <a:buChar char="•"/>
-            </a:pPr>
-            <a:r>
-              <a:rPr lang="en-US" sz="2800" dirty="0">
+              <a:t>Yes or No</a:t>
+            </a:r>
+          </a:p>
+        </p:txBody>
+      </p:sp>
+      <p:pic>
+        <p:nvPicPr>
+          <p:cNvPr id="3" name="Picture 2" descr="Diagram&#10;&#10;Description automatically generated">
+            <a:extLst>
+              <a:ext uri="{FF2B5EF4-FFF2-40B4-BE49-F238E27FC236}">
+                <a16:creationId xmlns:a16="http://schemas.microsoft.com/office/drawing/2014/main" id="{F62938BD-1388-4B93-BCA8-422F8A964B88}"/>
+              </a:ext>
+            </a:extLst>
+          </p:cNvPr>
+          <p:cNvPicPr>
+            <a:picLocks noChangeAspect="1"/>
+          </p:cNvPicPr>
+          <p:nvPr/>
+        </p:nvPicPr>
+        <p:blipFill rotWithShape="1">
+          <a:blip r:embed="rId4">
+            <a:extLst>
+              <a:ext uri="{28A0092B-C50C-407E-A947-70E740481C1C}">
+                <a14:useLocalDpi xmlns:a14="http://schemas.microsoft.com/office/drawing/2010/main" val="0"/>
+              </a:ext>
+            </a:extLst>
+          </a:blip>
+          <a:srcRect l="1" t="34294" r="41194" b="-286"/>
+          <a:stretch/>
+        </p:blipFill>
+        <p:spPr>
+          <a:xfrm>
+            <a:off x="1898703" y="1663762"/>
+            <a:ext cx="8317465" cy="3376589"/>
+          </a:xfrm>
+          <a:prstGeom prst="rect">
+            <a:avLst/>
+          </a:prstGeom>
+        </p:spPr>
+      </p:pic>
+      <p:sp>
+        <p:nvSpPr>
+          <p:cNvPr id="6" name="TextBox 5">
+            <a:extLst>
+              <a:ext uri="{FF2B5EF4-FFF2-40B4-BE49-F238E27FC236}">
+                <a16:creationId xmlns:a16="http://schemas.microsoft.com/office/drawing/2014/main" id="{FF2AD4A0-B85F-435F-AB79-FAF5FF4B4289}"/>
+              </a:ext>
+            </a:extLst>
+          </p:cNvPr>
+          <p:cNvSpPr txBox="1"/>
+          <p:nvPr/>
+        </p:nvSpPr>
+        <p:spPr>
+          <a:xfrm>
+            <a:off x="4553518" y="5087081"/>
+            <a:ext cx="3007834" cy="646331"/>
+          </a:xfrm>
+          <a:prstGeom prst="rect">
+            <a:avLst/>
+          </a:prstGeom>
+          <a:noFill/>
+        </p:spPr>
+        <p:txBody>
+          <a:bodyPr wrap="square" rtlCol="0">
+            <a:spAutoFit/>
+          </a:bodyPr>
+          <a:lstStyle/>
+          <a:p>
+            <a:pPr algn="ctr"/>
+            <a:r>
+              <a:rPr lang="en-US" dirty="0">
                 <a:solidFill>
-                  <a:srgbClr val="707070"/>
+                  <a:schemeClr val="bg1">
+                    <a:lumMod val="50000"/>
+                  </a:schemeClr>
                 </a:solidFill>
-                <a:latin typeface="Pragmatica" panose="020B0403040502020204" pitchFamily="34" charset="0"/>
+                <a:latin typeface="Pragmatica" pitchFamily="2" charset="0"/>
               </a:rPr>
-              <a:t>What types of variables are there? </a:t>
-            </a:r>
-          </a:p>
-          <a:p>
-            <a:pPr marL="457200" indent="-457200">
-              <a:buFont typeface="Arial" panose="020B0604020202020204" pitchFamily="34" charset="0"/>
-              <a:buChar char="•"/>
-            </a:pPr>
-            <a:r>
-              <a:rPr lang="en-US" sz="2800" dirty="0">
+              <a:t>ZIP code</a:t>
+            </a:r>
+          </a:p>
+          <a:p>
+            <a:pPr algn="ctr"/>
+            <a:r>
+              <a:rPr lang="en-US" dirty="0">
                 <a:solidFill>
-                  <a:srgbClr val="707070"/>
+                  <a:schemeClr val="bg1">
+                    <a:lumMod val="50000"/>
+                  </a:schemeClr>
                 </a:solidFill>
-                <a:latin typeface="Pragmatica" panose="020B0403040502020204" pitchFamily="34" charset="0"/>
+                <a:latin typeface="Pragmatica" pitchFamily="2" charset="0"/>
               </a:rPr>
-              <a:t>How can we “summarize” them (frequencies, descriptive statistics, etc.)? </a:t>
-            </a:r>
-          </a:p>
-          <a:p>
-            <a:pPr marL="457200" indent="-457200">
-              <a:buFont typeface="Arial" panose="020B0604020202020204" pitchFamily="34" charset="0"/>
-              <a:buChar char="•"/>
-            </a:pPr>
-            <a:r>
-              <a:rPr lang="en-US" sz="2800" dirty="0">
+              <a:t>44134, 90210, etc.</a:t>
+            </a:r>
+          </a:p>
+        </p:txBody>
+      </p:sp>
+      <p:sp>
+        <p:nvSpPr>
+          <p:cNvPr id="8" name="TextBox 7">
+            <a:extLst>
+              <a:ext uri="{FF2B5EF4-FFF2-40B4-BE49-F238E27FC236}">
+                <a16:creationId xmlns:a16="http://schemas.microsoft.com/office/drawing/2014/main" id="{282C95F5-CB22-462D-A245-8DC18D7937C4}"/>
+              </a:ext>
+            </a:extLst>
+          </p:cNvPr>
+          <p:cNvSpPr txBox="1"/>
+          <p:nvPr/>
+        </p:nvSpPr>
+        <p:spPr>
+          <a:xfrm>
+            <a:off x="7281693" y="5087082"/>
+            <a:ext cx="3007834" cy="923330"/>
+          </a:xfrm>
+          <a:prstGeom prst="rect">
+            <a:avLst/>
+          </a:prstGeom>
+          <a:noFill/>
+        </p:spPr>
+        <p:txBody>
+          <a:bodyPr wrap="square" rtlCol="0">
+            <a:spAutoFit/>
+          </a:bodyPr>
+          <a:lstStyle/>
+          <a:p>
+            <a:pPr algn="ctr"/>
+            <a:r>
+              <a:rPr lang="en-US" dirty="0">
                 <a:solidFill>
-                  <a:srgbClr val="707070"/>
+                  <a:schemeClr val="bg1">
+                    <a:lumMod val="50000"/>
+                  </a:schemeClr>
                 </a:solidFill>
-                <a:latin typeface="Pragmatica" panose="020B0403040502020204" pitchFamily="34" charset="0"/>
+                <a:latin typeface="Pragmatica" pitchFamily="2" charset="0"/>
               </a:rPr>
-              <a:t>How can we depict them visually? </a:t>
-            </a:r>
-          </a:p>
-          <a:p>
-            <a:endParaRPr lang="en-US" sz="2800" dirty="0">
-              <a:solidFill>
-                <a:srgbClr val="707070"/>
-              </a:solidFill>
-              <a:latin typeface="Pragmatica" panose="020B0403040502020204" pitchFamily="34" charset="0"/>
-            </a:endParaRPr>
-          </a:p>
-          <a:p>
-            <a:endParaRPr lang="en-US" sz="2800" dirty="0">
-              <a:solidFill>
-                <a:srgbClr val="707070"/>
-              </a:solidFill>
-              <a:latin typeface="Pragmatica" panose="020B0403040502020204" pitchFamily="34" charset="0"/>
-            </a:endParaRPr>
+              <a:t>Beverage size:</a:t>
+            </a:r>
+          </a:p>
+          <a:p>
+            <a:pPr algn="ctr"/>
+            <a:r>
+              <a:rPr lang="en-US" dirty="0">
+                <a:solidFill>
+                  <a:schemeClr val="bg1">
+                    <a:lumMod val="50000"/>
+                  </a:schemeClr>
+                </a:solidFill>
+                <a:latin typeface="Pragmatica" pitchFamily="2" charset="0"/>
+              </a:rPr>
+              <a:t>Small, medium, large… extra large?</a:t>
+            </a:r>
           </a:p>
         </p:txBody>
       </p:sp>
     </p:spTree>
     <p:extLst>
       <p:ext uri="{BB962C8B-B14F-4D97-AF65-F5344CB8AC3E}">
-        <p14:creationId xmlns:p14="http://schemas.microsoft.com/office/powerpoint/2010/main" val="2480351462"/>
+        <p14:creationId xmlns:p14="http://schemas.microsoft.com/office/powerpoint/2010/main" val="3497312275"/>
       </p:ext>
     </p:extLst>
   </p:cSld>
@@ -8335,7 +7961,7 @@
               <a:rPr lang="en-US" sz="6000" dirty="0">
                 <a:latin typeface="Aliens &amp; cows" panose="00000500000000000000" pitchFamily="2" charset="0"/>
               </a:rPr>
-              <a:t>The tree of data</a:t>
+              <a:t>“How much/how many?”</a:t>
             </a:r>
           </a:p>
         </p:txBody>
@@ -8354,8 +7980,8 @@
         </p:nvSpPr>
         <p:spPr>
           <a:xfrm>
-            <a:off x="261704" y="6114327"/>
-            <a:ext cx="9493446" cy="369332"/>
+            <a:off x="988764" y="5565128"/>
+            <a:ext cx="2735744" cy="646331"/>
           </a:xfrm>
           <a:prstGeom prst="rect">
             <a:avLst/>
@@ -8368,6 +7994,7 @@
           </a:bodyPr>
           <a:lstStyle/>
           <a:p>
+            <a:pPr algn="ctr"/>
             <a:r>
               <a:rPr lang="en-US" dirty="0">
                 <a:solidFill>
@@ -8377,19 +8004,11 @@
                 </a:solidFill>
                 <a:latin typeface="Pragmatica" pitchFamily="2" charset="0"/>
               </a:rPr>
-              <a:t>Mount, George. </a:t>
-            </a:r>
-            <a:r>
-              <a:rPr lang="en-US" i="1" dirty="0">
-                <a:solidFill>
-                  <a:schemeClr val="bg1">
-                    <a:lumMod val="50000"/>
-                  </a:schemeClr>
-                </a:solidFill>
-                <a:latin typeface="Pragmatica" pitchFamily="2" charset="0"/>
-              </a:rPr>
-              <a:t>Advancing into Analytics: From Excel to Python and R</a:t>
-            </a:r>
+              <a:t>pH level</a:t>
+            </a:r>
+          </a:p>
+          <a:p>
+            <a:pPr algn="ctr"/>
             <a:r>
               <a:rPr lang="en-US" dirty="0">
                 <a:solidFill>
@@ -8399,16 +8018,8 @@
                 </a:solidFill>
                 <a:latin typeface="Pragmatica" pitchFamily="2" charset="0"/>
               </a:rPr>
-              <a:t>. O’Reilly Media, 2021</a:t>
-            </a:r>
-            <a:endParaRPr lang="en-US" i="1" dirty="0">
-              <a:solidFill>
-                <a:schemeClr val="bg1">
-                  <a:lumMod val="50000"/>
-                </a:schemeClr>
-              </a:solidFill>
-              <a:latin typeface="Pragmatica" pitchFamily="2" charset="0"/>
-            </a:endParaRPr>
+              <a:t>Height</a:t>
+            </a:r>
           </a:p>
         </p:txBody>
       </p:sp>
@@ -8426,7 +8037,7 @@
           </p:cNvPicPr>
           <p:nvPr/>
         </p:nvPicPr>
-        <p:blipFill>
+        <p:blipFill rotWithShape="1">
           <a:blip r:embed="rId4">
             <a:extLst>
               <a:ext uri="{28A0092B-C50C-407E-A947-70E740481C1C}">
@@ -8434,24 +8045,161 @@
               </a:ext>
             </a:extLst>
           </a:blip>
+          <a:srcRect l="59613" t="33590"/>
+          <a:stretch/>
+        </p:blipFill>
+        <p:spPr>
+          <a:xfrm>
+            <a:off x="789058" y="1993836"/>
+            <a:ext cx="5796555" cy="3447958"/>
+          </a:xfrm>
+          <a:prstGeom prst="rect">
+            <a:avLst/>
+          </a:prstGeom>
+        </p:spPr>
+      </p:pic>
+      <p:sp>
+        <p:nvSpPr>
+          <p:cNvPr id="6" name="TextBox 5">
+            <a:extLst>
+              <a:ext uri="{FF2B5EF4-FFF2-40B4-BE49-F238E27FC236}">
+                <a16:creationId xmlns:a16="http://schemas.microsoft.com/office/drawing/2014/main" id="{A1523D18-648F-4B40-AA33-5172A4806A34}"/>
+              </a:ext>
+            </a:extLst>
+          </p:cNvPr>
+          <p:cNvSpPr txBox="1"/>
+          <p:nvPr/>
+        </p:nvSpPr>
+        <p:spPr>
+          <a:xfrm>
+            <a:off x="3687336" y="5565128"/>
+            <a:ext cx="2735744" cy="646331"/>
+          </a:xfrm>
+          <a:prstGeom prst="rect">
+            <a:avLst/>
+          </a:prstGeom>
+          <a:noFill/>
+        </p:spPr>
+        <p:txBody>
+          <a:bodyPr wrap="square" rtlCol="0">
+            <a:spAutoFit/>
+          </a:bodyPr>
+          <a:lstStyle/>
+          <a:p>
+            <a:pPr algn="ctr"/>
+            <a:r>
+              <a:rPr lang="en-US" dirty="0">
+                <a:solidFill>
+                  <a:schemeClr val="bg1">
+                    <a:lumMod val="50000"/>
+                  </a:schemeClr>
+                </a:solidFill>
+                <a:latin typeface="Pragmatica" pitchFamily="2" charset="0"/>
+              </a:rPr>
+              <a:t>Number of children</a:t>
+            </a:r>
+          </a:p>
+          <a:p>
+            <a:pPr algn="ctr"/>
+            <a:r>
+              <a:rPr lang="en-US" dirty="0">
+                <a:solidFill>
+                  <a:schemeClr val="bg1">
+                    <a:lumMod val="50000"/>
+                  </a:schemeClr>
+                </a:solidFill>
+                <a:latin typeface="Pragmatica" pitchFamily="2" charset="0"/>
+              </a:rPr>
+              <a:t>Units sold</a:t>
+            </a:r>
+          </a:p>
+        </p:txBody>
+      </p:sp>
+      <p:pic>
+        <p:nvPicPr>
+          <p:cNvPr id="4" name="Picture 3">
+            <a:extLst>
+              <a:ext uri="{FF2B5EF4-FFF2-40B4-BE49-F238E27FC236}">
+                <a16:creationId xmlns:a16="http://schemas.microsoft.com/office/drawing/2014/main" id="{0F1AF5A1-0495-4203-A634-7FECA4F99F42}"/>
+              </a:ext>
+            </a:extLst>
+          </p:cNvPr>
+          <p:cNvPicPr>
+            <a:picLocks noChangeAspect="1"/>
+          </p:cNvPicPr>
+          <p:nvPr/>
+        </p:nvPicPr>
+        <p:blipFill>
+          <a:blip r:embed="rId5"/>
           <a:stretch>
             <a:fillRect/>
           </a:stretch>
         </p:blipFill>
         <p:spPr>
           <a:xfrm>
-            <a:off x="917257" y="1529723"/>
-            <a:ext cx="10500602" cy="3798554"/>
+            <a:off x="7090580" y="1192792"/>
+            <a:ext cx="4247585" cy="1809116"/>
           </a:xfrm>
           <a:prstGeom prst="rect">
             <a:avLst/>
           </a:prstGeom>
         </p:spPr>
       </p:pic>
+      <p:sp>
+        <p:nvSpPr>
+          <p:cNvPr id="9" name="TextBox 8">
+            <a:extLst>
+              <a:ext uri="{FF2B5EF4-FFF2-40B4-BE49-F238E27FC236}">
+                <a16:creationId xmlns:a16="http://schemas.microsoft.com/office/drawing/2014/main" id="{87C23650-181D-4E62-B809-2C04738D8BA2}"/>
+              </a:ext>
+            </a:extLst>
+          </p:cNvPr>
+          <p:cNvSpPr txBox="1"/>
+          <p:nvPr/>
+        </p:nvSpPr>
+        <p:spPr>
+          <a:xfrm>
+            <a:off x="8558932" y="2554622"/>
+            <a:ext cx="2735744" cy="769441"/>
+          </a:xfrm>
+          <a:prstGeom prst="rect">
+            <a:avLst/>
+          </a:prstGeom>
+          <a:noFill/>
+        </p:spPr>
+        <p:txBody>
+          <a:bodyPr wrap="square" rtlCol="0">
+            <a:spAutoFit/>
+          </a:bodyPr>
+          <a:lstStyle/>
+          <a:p>
+            <a:pPr algn="ctr"/>
+            <a:r>
+              <a:rPr lang="en-US" sz="4400" dirty="0">
+                <a:solidFill>
+                  <a:schemeClr val="bg1">
+                    <a:lumMod val="50000"/>
+                  </a:schemeClr>
+                </a:solidFill>
+                <a:latin typeface="Pragmatica" pitchFamily="2" charset="0"/>
+              </a:rPr>
+              <a:t>🤔</a:t>
+            </a:r>
+            <a:endParaRPr lang="en-US" dirty="0">
+              <a:solidFill>
+                <a:schemeClr val="bg1">
+                  <a:lumMod val="50000"/>
+                </a:schemeClr>
+              </a:solidFill>
+              <a:latin typeface="Pragmatica" pitchFamily="2" charset="0"/>
+            </a:endParaRPr>
+          </a:p>
+        </p:txBody>
+      </p:sp>
     </p:spTree>
     <p:extLst>
       <p:ext uri="{BB962C8B-B14F-4D97-AF65-F5344CB8AC3E}">
-        <p14:creationId xmlns:p14="http://schemas.microsoft.com/office/powerpoint/2010/main" val="3729633991"/>
+        <p14:creationId xmlns:p14="http://schemas.microsoft.com/office/powerpoint/2010/main" val="4231221310"/>
       </p:ext>
     </p:extLst>
   </p:cSld>
@@ -8478,9 +8226,86 @@
           <a:chExt cx="0" cy="0"/>
         </a:xfrm>
       </p:grpSpPr>
+      <p:sp>
+        <p:nvSpPr>
+          <p:cNvPr id="4" name="Rectangle 3"/>
+          <p:cNvSpPr/>
+          <p:nvPr/>
+        </p:nvSpPr>
+        <p:spPr>
+          <a:xfrm>
+            <a:off x="6574420" y="0"/>
+            <a:ext cx="5617580" cy="6858000"/>
+          </a:xfrm>
+          <a:prstGeom prst="rect">
+            <a:avLst/>
+          </a:prstGeom>
+          <a:solidFill>
+            <a:srgbClr val="CF3338"/>
+          </a:solidFill>
+        </p:spPr>
+        <p:style>
+          <a:lnRef idx="2">
+            <a:schemeClr val="accent1">
+              <a:shade val="50000"/>
+            </a:schemeClr>
+          </a:lnRef>
+          <a:fillRef idx="1">
+            <a:schemeClr val="accent1"/>
+          </a:fillRef>
+          <a:effectRef idx="0">
+            <a:schemeClr val="accent1"/>
+          </a:effectRef>
+          <a:fontRef idx="minor">
+            <a:schemeClr val="lt1"/>
+          </a:fontRef>
+        </p:style>
+        <p:txBody>
+          <a:bodyPr rtlCol="0" anchor="ctr"/>
+          <a:lstStyle/>
+          <a:p>
+            <a:pPr algn="ctr"/>
+            <a:endParaRPr lang="en-US"/>
+          </a:p>
+        </p:txBody>
+      </p:sp>
+      <p:sp>
+        <p:nvSpPr>
+          <p:cNvPr id="5" name="TextBox 4"/>
+          <p:cNvSpPr txBox="1"/>
+          <p:nvPr/>
+        </p:nvSpPr>
+        <p:spPr>
+          <a:xfrm>
+            <a:off x="6817489" y="0"/>
+            <a:ext cx="4120587" cy="1446550"/>
+          </a:xfrm>
+          <a:prstGeom prst="rect">
+            <a:avLst/>
+          </a:prstGeom>
+          <a:noFill/>
+        </p:spPr>
+        <p:txBody>
+          <a:bodyPr wrap="square" rtlCol="0">
+            <a:spAutoFit/>
+          </a:bodyPr>
+          <a:lstStyle/>
+          <a:p>
+            <a:r>
+              <a:rPr lang="en-US" sz="8800" dirty="0">
+                <a:solidFill>
+                  <a:schemeClr val="bg1"/>
+                </a:solidFill>
+                <a:latin typeface="Aliens &amp; cows" panose="00000500000000000000" pitchFamily="2" charset="0"/>
+              </a:rPr>
+              <a:t>Drill</a:t>
+            </a:r>
+          </a:p>
+        </p:txBody>
+      </p:sp>
       <p:pic>
         <p:nvPicPr>
-          <p:cNvPr id="10" name="Picture 9"/>
+          <p:cNvPr id="2" name="Picture 1"/>
           <p:cNvPicPr>
             <a:picLocks noChangeAspect="1"/>
           </p:cNvPicPr>
@@ -8494,13 +8319,13 @@
               </a:ext>
             </a:extLst>
           </a:blip>
-          <a:srcRect l="50728" t="56371"/>
+          <a:srcRect l="69227" t="33418" r="20112" b="50548"/>
           <a:stretch/>
         </p:blipFill>
         <p:spPr>
           <a:xfrm>
-            <a:off x="10894024" y="5370653"/>
-            <a:ext cx="1297975" cy="1487348"/>
+            <a:off x="10386349" y="5029795"/>
+            <a:ext cx="1805651" cy="1991719"/>
           </a:xfrm>
           <a:prstGeom prst="rect">
             <a:avLst/>
@@ -8509,14 +8334,14 @@
       </p:pic>
       <p:sp>
         <p:nvSpPr>
-          <p:cNvPr id="11" name="TextBox 10"/>
+          <p:cNvPr id="3" name="TextBox 2"/>
           <p:cNvSpPr txBox="1"/>
           <p:nvPr/>
         </p:nvSpPr>
         <p:spPr>
           <a:xfrm>
-            <a:off x="347240" y="113388"/>
-            <a:ext cx="9799937" cy="1015663"/>
+            <a:off x="173620" y="219919"/>
+            <a:ext cx="5937813" cy="1384995"/>
           </a:xfrm>
           <a:prstGeom prst="rect">
             <a:avLst/>
@@ -8529,127 +8354,58 @@
           </a:bodyPr>
           <a:lstStyle/>
           <a:p>
-            <a:r>
-              <a:rPr lang="en-US" sz="6000" dirty="0">
-                <a:latin typeface="Aliens &amp; cows" panose="00000500000000000000" pitchFamily="2" charset="0"/>
-              </a:rPr>
-              <a:t>“How much?”</a:t>
-            </a:r>
-          </a:p>
-        </p:txBody>
-      </p:sp>
-      <p:sp>
-        <p:nvSpPr>
-          <p:cNvPr id="7" name="TextBox 6">
-            <a:extLst>
-              <a:ext uri="{FF2B5EF4-FFF2-40B4-BE49-F238E27FC236}">
-                <a16:creationId xmlns:a16="http://schemas.microsoft.com/office/drawing/2014/main" id="{CFAB272F-EC83-45BA-935F-DFBF5407D2B6}"/>
-              </a:ext>
-            </a:extLst>
-          </p:cNvPr>
-          <p:cNvSpPr txBox="1"/>
-          <p:nvPr/>
-        </p:nvSpPr>
-        <p:spPr>
-          <a:xfrm>
-            <a:off x="261704" y="6114327"/>
-            <a:ext cx="9493446" cy="369332"/>
-          </a:xfrm>
-          <a:prstGeom prst="rect">
-            <a:avLst/>
-          </a:prstGeom>
-          <a:noFill/>
-        </p:spPr>
-        <p:txBody>
-          <a:bodyPr wrap="square" rtlCol="0">
-            <a:spAutoFit/>
-          </a:bodyPr>
-          <a:lstStyle/>
-          <a:p>
-            <a:r>
-              <a:rPr lang="en-US" dirty="0">
+            <a:endParaRPr lang="en-US" sz="2800" b="1" dirty="0">
+              <a:solidFill>
+                <a:srgbClr val="CF3338"/>
+              </a:solidFill>
+              <a:latin typeface="Pragmatica" pitchFamily="2" charset="0"/>
+            </a:endParaRPr>
+          </a:p>
+          <a:p>
+            <a:pPr marL="514350" indent="-514350">
+              <a:buFont typeface="Arial" panose="020B0604020202020204" pitchFamily="34" charset="0"/>
+              <a:buChar char="•"/>
+            </a:pPr>
+            <a:r>
+              <a:rPr lang="en-US" sz="2800" b="1" dirty="0">
                 <a:solidFill>
-                  <a:schemeClr val="bg1">
-                    <a:lumMod val="50000"/>
-                  </a:schemeClr>
+                  <a:srgbClr val="CF3338"/>
                 </a:solidFill>
                 <a:latin typeface="Pragmatica" pitchFamily="2" charset="0"/>
               </a:rPr>
-              <a:t>Mount, George. </a:t>
-            </a:r>
-            <a:r>
-              <a:rPr lang="en-US" i="1" dirty="0">
+              <a:t>File: </a:t>
+            </a:r>
+            <a:r>
+              <a:rPr lang="en-US" sz="2800" b="1" dirty="0">
                 <a:solidFill>
-                  <a:schemeClr val="bg1">
-                    <a:lumMod val="50000"/>
-                  </a:schemeClr>
+                  <a:srgbClr val="CF3338"/>
                 </a:solidFill>
-                <a:latin typeface="Pragmatica" pitchFamily="2" charset="0"/>
+                <a:latin typeface="Consolas" panose="020B0609020204030204" pitchFamily="49" charset="0"/>
               </a:rPr>
-              <a:t>Advancing into Analytics: From Excel to Python and R</a:t>
-            </a:r>
-            <a:r>
-              <a:rPr lang="en-US" dirty="0">
+              <a:t>titanic.xlsx</a:t>
+            </a:r>
+          </a:p>
+          <a:p>
+            <a:pPr marL="514350" indent="-514350">
+              <a:buFont typeface="Arial" panose="020B0604020202020204" pitchFamily="34" charset="0"/>
+              <a:buChar char="•"/>
+            </a:pPr>
+            <a:r>
+              <a:rPr lang="en-US" sz="2800" b="1" dirty="0">
                 <a:solidFill>
-                  <a:schemeClr val="bg1">
-                    <a:lumMod val="50000"/>
-                  </a:schemeClr>
+                  <a:srgbClr val="CF3338"/>
                 </a:solidFill>
-                <a:latin typeface="Pragmatica" pitchFamily="2" charset="0"/>
+                <a:latin typeface="Pragmatica"/>
               </a:rPr>
-              <a:t>. O’Reilly Media, 2021</a:t>
-            </a:r>
-            <a:endParaRPr lang="en-US" i="1" dirty="0">
-              <a:solidFill>
-                <a:schemeClr val="bg1">
-                  <a:lumMod val="50000"/>
-                </a:schemeClr>
-              </a:solidFill>
-              <a:latin typeface="Pragmatica" pitchFamily="2" charset="0"/>
-            </a:endParaRPr>
-          </a:p>
-        </p:txBody>
-      </p:sp>
-      <p:pic>
-        <p:nvPicPr>
-          <p:cNvPr id="3" name="Picture 2" descr="Diagram&#10;&#10;Description automatically generated">
-            <a:extLst>
-              <a:ext uri="{FF2B5EF4-FFF2-40B4-BE49-F238E27FC236}">
-                <a16:creationId xmlns:a16="http://schemas.microsoft.com/office/drawing/2014/main" id="{F62938BD-1388-4B93-BCA8-422F8A964B88}"/>
-              </a:ext>
-            </a:extLst>
-          </p:cNvPr>
-          <p:cNvPicPr>
-            <a:picLocks noChangeAspect="1"/>
-          </p:cNvPicPr>
-          <p:nvPr/>
-        </p:nvPicPr>
-        <p:blipFill>
-          <a:blip r:embed="rId4">
-            <a:extLst>
-              <a:ext uri="{28A0092B-C50C-407E-A947-70E740481C1C}">
-                <a14:useLocalDpi xmlns:a14="http://schemas.microsoft.com/office/drawing/2010/main" val="0"/>
-              </a:ext>
-            </a:extLst>
-          </a:blip>
-          <a:stretch>
-            <a:fillRect/>
-          </a:stretch>
-        </p:blipFill>
-        <p:spPr>
-          <a:xfrm>
-            <a:off x="917257" y="1529723"/>
-            <a:ext cx="10500602" cy="3798554"/>
-          </a:xfrm>
-          <a:prstGeom prst="rect">
-            <a:avLst/>
-          </a:prstGeom>
-        </p:spPr>
-      </p:pic>
+              <a:t>Categorize each variable</a:t>
+            </a:r>
+          </a:p>
+        </p:txBody>
+      </p:sp>
     </p:spTree>
     <p:extLst>
       <p:ext uri="{BB962C8B-B14F-4D97-AF65-F5344CB8AC3E}">
-        <p14:creationId xmlns:p14="http://schemas.microsoft.com/office/powerpoint/2010/main" val="3497312275"/>
+        <p14:creationId xmlns:p14="http://schemas.microsoft.com/office/powerpoint/2010/main" val="3088895096"/>
       </p:ext>
     </p:extLst>
   </p:cSld>
@@ -8676,9 +8432,86 @@
           <a:chExt cx="0" cy="0"/>
         </a:xfrm>
       </p:grpSpPr>
+      <p:sp>
+        <p:nvSpPr>
+          <p:cNvPr id="4" name="Rectangle 3"/>
+          <p:cNvSpPr/>
+          <p:nvPr/>
+        </p:nvSpPr>
+        <p:spPr>
+          <a:xfrm>
+            <a:off x="6574420" y="0"/>
+            <a:ext cx="5617580" cy="6858000"/>
+          </a:xfrm>
+          <a:prstGeom prst="rect">
+            <a:avLst/>
+          </a:prstGeom>
+          <a:solidFill>
+            <a:srgbClr val="CF3338"/>
+          </a:solidFill>
+        </p:spPr>
+        <p:style>
+          <a:lnRef idx="2">
+            <a:schemeClr val="accent1">
+              <a:shade val="50000"/>
+            </a:schemeClr>
+          </a:lnRef>
+          <a:fillRef idx="1">
+            <a:schemeClr val="accent1"/>
+          </a:fillRef>
+          <a:effectRef idx="0">
+            <a:schemeClr val="accent1"/>
+          </a:effectRef>
+          <a:fontRef idx="minor">
+            <a:schemeClr val="lt1"/>
+          </a:fontRef>
+        </p:style>
+        <p:txBody>
+          <a:bodyPr rtlCol="0" anchor="ctr"/>
+          <a:lstStyle/>
+          <a:p>
+            <a:pPr algn="ctr"/>
+            <a:endParaRPr lang="en-US"/>
+          </a:p>
+        </p:txBody>
+      </p:sp>
+      <p:sp>
+        <p:nvSpPr>
+          <p:cNvPr id="5" name="TextBox 4"/>
+          <p:cNvSpPr txBox="1"/>
+          <p:nvPr/>
+        </p:nvSpPr>
+        <p:spPr>
+          <a:xfrm>
+            <a:off x="6817489" y="0"/>
+            <a:ext cx="4120587" cy="1446550"/>
+          </a:xfrm>
+          <a:prstGeom prst="rect">
+            <a:avLst/>
+          </a:prstGeom>
+          <a:noFill/>
+        </p:spPr>
+        <p:txBody>
+          <a:bodyPr wrap="square" rtlCol="0">
+            <a:spAutoFit/>
+          </a:bodyPr>
+          <a:lstStyle/>
+          <a:p>
+            <a:r>
+              <a:rPr lang="en-US" sz="8800" dirty="0">
+                <a:solidFill>
+                  <a:schemeClr val="bg1"/>
+                </a:solidFill>
+                <a:latin typeface="Aliens &amp; cows" panose="00000500000000000000" pitchFamily="2" charset="0"/>
+              </a:rPr>
+              <a:t>Demo</a:t>
+            </a:r>
+          </a:p>
+        </p:txBody>
+      </p:sp>
       <p:pic>
         <p:nvPicPr>
-          <p:cNvPr id="10" name="Picture 9"/>
+          <p:cNvPr id="2" name="Picture 1"/>
           <p:cNvPicPr>
             <a:picLocks noChangeAspect="1"/>
           </p:cNvPicPr>
@@ -8692,13 +8525,13 @@
               </a:ext>
             </a:extLst>
           </a:blip>
-          <a:srcRect l="50728" t="56371"/>
+          <a:srcRect l="69227" t="33418" r="20112" b="50548"/>
           <a:stretch/>
         </p:blipFill>
         <p:spPr>
           <a:xfrm>
-            <a:off x="10894024" y="5370653"/>
-            <a:ext cx="1297975" cy="1487348"/>
+            <a:off x="10386349" y="5029795"/>
+            <a:ext cx="1805651" cy="1991719"/>
           </a:xfrm>
           <a:prstGeom prst="rect">
             <a:avLst/>
@@ -8707,14 +8540,14 @@
       </p:pic>
       <p:sp>
         <p:nvSpPr>
-          <p:cNvPr id="11" name="TextBox 10"/>
+          <p:cNvPr id="3" name="TextBox 2"/>
           <p:cNvSpPr txBox="1"/>
           <p:nvPr/>
         </p:nvSpPr>
         <p:spPr>
           <a:xfrm>
-            <a:off x="347240" y="113388"/>
-            <a:ext cx="9799937" cy="1015663"/>
+            <a:off x="173620" y="219919"/>
+            <a:ext cx="5937813" cy="1384995"/>
           </a:xfrm>
           <a:prstGeom prst="rect">
             <a:avLst/>
@@ -8728,126 +8561,50 @@
           <a:lstStyle/>
           <a:p>
             <a:r>
-              <a:rPr lang="en-US" sz="6000" dirty="0">
-                <a:latin typeface="Aliens &amp; cows" panose="00000500000000000000" pitchFamily="2" charset="0"/>
-              </a:rPr>
-              <a:t>“How much/how many?”</a:t>
-            </a:r>
-          </a:p>
-        </p:txBody>
-      </p:sp>
-      <p:sp>
-        <p:nvSpPr>
-          <p:cNvPr id="7" name="TextBox 6">
-            <a:extLst>
-              <a:ext uri="{FF2B5EF4-FFF2-40B4-BE49-F238E27FC236}">
-                <a16:creationId xmlns:a16="http://schemas.microsoft.com/office/drawing/2014/main" id="{CFAB272F-EC83-45BA-935F-DFBF5407D2B6}"/>
-              </a:ext>
-            </a:extLst>
-          </p:cNvPr>
-          <p:cNvSpPr txBox="1"/>
-          <p:nvPr/>
-        </p:nvSpPr>
-        <p:spPr>
-          <a:xfrm>
-            <a:off x="261704" y="6114327"/>
-            <a:ext cx="9493446" cy="369332"/>
-          </a:xfrm>
-          <a:prstGeom prst="rect">
-            <a:avLst/>
-          </a:prstGeom>
-          <a:noFill/>
-        </p:spPr>
-        <p:txBody>
-          <a:bodyPr wrap="square" rtlCol="0">
-            <a:spAutoFit/>
-          </a:bodyPr>
-          <a:lstStyle/>
-          <a:p>
-            <a:r>
-              <a:rPr lang="en-US" dirty="0">
+              <a:rPr lang="en-US" sz="2800" b="1" dirty="0">
                 <a:solidFill>
-                  <a:schemeClr val="bg1">
-                    <a:lumMod val="50000"/>
-                  </a:schemeClr>
+                  <a:srgbClr val="CF3338"/>
                 </a:solidFill>
                 <a:latin typeface="Pragmatica" pitchFamily="2" charset="0"/>
               </a:rPr>
-              <a:t>Mount, George. </a:t>
-            </a:r>
-            <a:r>
-              <a:rPr lang="en-US" i="1" dirty="0">
+              <a:t>Summarizing categorical variables</a:t>
+            </a:r>
+          </a:p>
+          <a:p>
+            <a:endParaRPr lang="en-US" sz="2800" b="1" dirty="0">
+              <a:solidFill>
+                <a:srgbClr val="CF3338"/>
+              </a:solidFill>
+              <a:latin typeface="Pragmatica" pitchFamily="2" charset="0"/>
+            </a:endParaRPr>
+          </a:p>
+          <a:p>
+            <a:pPr marL="514350" indent="-514350">
+              <a:buFont typeface="Arial" panose="020B0604020202020204" pitchFamily="34" charset="0"/>
+              <a:buChar char="•"/>
+            </a:pPr>
+            <a:r>
+              <a:rPr lang="en-US" sz="2800" b="1" dirty="0">
                 <a:solidFill>
-                  <a:schemeClr val="bg1">
-                    <a:lumMod val="50000"/>
-                  </a:schemeClr>
+                  <a:srgbClr val="CF3338"/>
                 </a:solidFill>
                 <a:latin typeface="Pragmatica" pitchFamily="2" charset="0"/>
               </a:rPr>
-              <a:t>Advancing into Analytics: From Excel to Python and R</a:t>
-            </a:r>
-            <a:r>
-              <a:rPr lang="en-US" dirty="0">
-                <a:solidFill>
-                  <a:schemeClr val="bg1">
-                    <a:lumMod val="50000"/>
-                  </a:schemeClr>
-                </a:solidFill>
-                <a:latin typeface="Pragmatica" pitchFamily="2" charset="0"/>
-              </a:rPr>
-              <a:t>. O’Reilly Media, 2021</a:t>
-            </a:r>
-            <a:endParaRPr lang="en-US" i="1" dirty="0">
+              <a:t>How many </a:t>
+            </a:r>
+            <a:endParaRPr lang="en-US" sz="2800" b="1" dirty="0">
               <a:solidFill>
-                <a:schemeClr val="bg1">
-                  <a:lumMod val="50000"/>
-                </a:schemeClr>
+                <a:srgbClr val="CF3338"/>
               </a:solidFill>
-              <a:latin typeface="Pragmatica" pitchFamily="2" charset="0"/>
+              <a:latin typeface="Consolas" panose="020B0609020204030204" pitchFamily="49" charset="0"/>
             </a:endParaRPr>
           </a:p>
         </p:txBody>
       </p:sp>
-      <p:pic>
-        <p:nvPicPr>
-          <p:cNvPr id="3" name="Picture 2" descr="Diagram&#10;&#10;Description automatically generated">
-            <a:extLst>
-              <a:ext uri="{FF2B5EF4-FFF2-40B4-BE49-F238E27FC236}">
-                <a16:creationId xmlns:a16="http://schemas.microsoft.com/office/drawing/2014/main" id="{F62938BD-1388-4B93-BCA8-422F8A964B88}"/>
-              </a:ext>
-            </a:extLst>
-          </p:cNvPr>
-          <p:cNvPicPr>
-            <a:picLocks noChangeAspect="1"/>
-          </p:cNvPicPr>
-          <p:nvPr/>
-        </p:nvPicPr>
-        <p:blipFill>
-          <a:blip r:embed="rId4">
-            <a:extLst>
-              <a:ext uri="{28A0092B-C50C-407E-A947-70E740481C1C}">
-                <a14:useLocalDpi xmlns:a14="http://schemas.microsoft.com/office/drawing/2010/main" val="0"/>
-              </a:ext>
-            </a:extLst>
-          </a:blip>
-          <a:stretch>
-            <a:fillRect/>
-          </a:stretch>
-        </p:blipFill>
-        <p:spPr>
-          <a:xfrm>
-            <a:off x="917257" y="1529723"/>
-            <a:ext cx="10500602" cy="3798554"/>
-          </a:xfrm>
-          <a:prstGeom prst="rect">
-            <a:avLst/>
-          </a:prstGeom>
-        </p:spPr>
-      </p:pic>
     </p:spTree>
     <p:extLst>
       <p:ext uri="{BB962C8B-B14F-4D97-AF65-F5344CB8AC3E}">
-        <p14:creationId xmlns:p14="http://schemas.microsoft.com/office/powerpoint/2010/main" val="4231221310"/>
+        <p14:creationId xmlns:p14="http://schemas.microsoft.com/office/powerpoint/2010/main" val="2312641399"/>
       </p:ext>
     </p:extLst>
   </p:cSld>

--- a/advancing-into-analytics-excel-foundations.pptx
+++ b/advancing-into-analytics-excel-foundations.pptx
@@ -5,7 +5,7 @@
     <p:sldMasterId id="2147483648" r:id="rId1"/>
   </p:sldMasterIdLst>
   <p:notesMasterIdLst>
-    <p:notesMasterId r:id="rId18"/>
+    <p:notesMasterId r:id="rId21"/>
   </p:notesMasterIdLst>
   <p:sldIdLst>
     <p:sldId id="256" r:id="rId2"/>
@@ -17,13 +17,16 @@
     <p:sldId id="438" r:id="rId8"/>
     <p:sldId id="411" r:id="rId9"/>
     <p:sldId id="439" r:id="rId10"/>
-    <p:sldId id="426" r:id="rId11"/>
+    <p:sldId id="444" r:id="rId11"/>
     <p:sldId id="431" r:id="rId12"/>
-    <p:sldId id="440" r:id="rId13"/>
-    <p:sldId id="433" r:id="rId14"/>
-    <p:sldId id="336" r:id="rId15"/>
-    <p:sldId id="434" r:id="rId16"/>
-    <p:sldId id="432" r:id="rId17"/>
+    <p:sldId id="443" r:id="rId13"/>
+    <p:sldId id="426" r:id="rId14"/>
+    <p:sldId id="440" r:id="rId15"/>
+    <p:sldId id="433" r:id="rId16"/>
+    <p:sldId id="445" r:id="rId17"/>
+    <p:sldId id="336" r:id="rId18"/>
+    <p:sldId id="434" r:id="rId19"/>
+    <p:sldId id="432" r:id="rId20"/>
   </p:sldIdLst>
   <p:sldSz cx="12192000" cy="6858000"/>
   <p:notesSz cx="6858000" cy="9144000"/>
@@ -1842,7 +1845,7 @@
           <a:p>
             <a:fld id="{503F064B-41F2-4661-BDF0-BFD135E9A557}" type="datetimeFigureOut">
               <a:rPr lang="en-US" smtClean="0"/>
-              <a:t>8/14/2021</a:t>
+              <a:t>8/28/2021</a:t>
             </a:fld>
             <a:endParaRPr lang="en-US"/>
           </a:p>
@@ -2606,6 +2609,93 @@
           <a:bodyPr/>
           <a:lstStyle/>
           <a:p>
+            <a:r>
+              <a:rPr lang="en-US" dirty="0"/>
+              <a:t>OK so now you will see R’s equivalent to some of those features you saw with Python. I think that for different reasons Python seems to be taking the lead on Excel automation, but R has some pretty robust features and in some ways are richer than Python’s. </a:t>
+            </a:r>
+          </a:p>
+        </p:txBody>
+      </p:sp>
+      <p:sp>
+        <p:nvSpPr>
+          <p:cNvPr id="4" name="Slide Number Placeholder 3"/>
+          <p:cNvSpPr>
+            <a:spLocks noGrp="1"/>
+          </p:cNvSpPr>
+          <p:nvPr>
+            <p:ph type="sldNum" sz="quarter" idx="5"/>
+          </p:nvPr>
+        </p:nvSpPr>
+        <p:spPr/>
+        <p:txBody>
+          <a:bodyPr/>
+          <a:lstStyle/>
+          <a:p>
+            <a:fld id="{3BB66621-ADCC-4EF8-8003-B9D3E881DCD2}" type="slidenum">
+              <a:rPr lang="en-US" smtClean="0"/>
+              <a:t>12</a:t>
+            </a:fld>
+            <a:endParaRPr lang="en-US"/>
+          </a:p>
+        </p:txBody>
+      </p:sp>
+    </p:spTree>
+    <p:extLst>
+      <p:ext uri="{BB962C8B-B14F-4D97-AF65-F5344CB8AC3E}">
+        <p14:creationId xmlns:p14="http://schemas.microsoft.com/office/powerpoint/2010/main" val="777940370"/>
+      </p:ext>
+    </p:extLst>
+  </p:cSld>
+  <p:clrMapOvr>
+    <a:masterClrMapping/>
+  </p:clrMapOvr>
+</p:notes>
+</file>
+
+<file path=ppt/notesSlides/notesSlide7.xml><?xml version="1.0" encoding="utf-8"?>
+<p:notes xmlns:a="http://schemas.openxmlformats.org/drawingml/2006/main" xmlns:r="http://schemas.openxmlformats.org/officeDocument/2006/relationships" xmlns:p="http://schemas.openxmlformats.org/presentationml/2006/main">
+  <p:cSld>
+    <p:spTree>
+      <p:nvGrpSpPr>
+        <p:cNvPr id="1" name=""/>
+        <p:cNvGrpSpPr/>
+        <p:nvPr/>
+      </p:nvGrpSpPr>
+      <p:grpSpPr>
+        <a:xfrm>
+          <a:off x="0" y="0"/>
+          <a:ext cx="0" cy="0"/>
+          <a:chOff x="0" y="0"/>
+          <a:chExt cx="0" cy="0"/>
+        </a:xfrm>
+      </p:grpSpPr>
+      <p:sp>
+        <p:nvSpPr>
+          <p:cNvPr id="2" name="Slide Image Placeholder 1"/>
+          <p:cNvSpPr>
+            <a:spLocks noGrp="1" noRot="1" noChangeAspect="1"/>
+          </p:cNvSpPr>
+          <p:nvPr>
+            <p:ph type="sldImg"/>
+          </p:nvPr>
+        </p:nvSpPr>
+        <p:spPr/>
+      </p:sp>
+      <p:sp>
+        <p:nvSpPr>
+          <p:cNvPr id="3" name="Notes Placeholder 2"/>
+          <p:cNvSpPr>
+            <a:spLocks noGrp="1"/>
+          </p:cNvSpPr>
+          <p:nvPr>
+            <p:ph type="body" idx="1"/>
+          </p:nvPr>
+        </p:nvSpPr>
+        <p:spPr/>
+        <p:txBody>
+          <a:bodyPr/>
+          <a:lstStyle/>
+          <a:p>
             <a:pPr>
               <a:buClr>
                 <a:srgbClr val="CF3338"/>
@@ -2659,7 +2749,7 @@
           <a:p>
             <a:fld id="{3BB66621-ADCC-4EF8-8003-B9D3E881DCD2}" type="slidenum">
               <a:rPr lang="en-US" smtClean="0"/>
-              <a:t>13</a:t>
+              <a:t>15</a:t>
             </a:fld>
             <a:endParaRPr lang="en-US"/>
           </a:p>
@@ -2669,6 +2759,122 @@
     <p:extLst>
       <p:ext uri="{BB962C8B-B14F-4D97-AF65-F5344CB8AC3E}">
         <p14:creationId xmlns:p14="http://schemas.microsoft.com/office/powerpoint/2010/main" val="1725553896"/>
+      </p:ext>
+    </p:extLst>
+  </p:cSld>
+  <p:clrMapOvr>
+    <a:masterClrMapping/>
+  </p:clrMapOvr>
+</p:notes>
+</file>
+
+<file path=ppt/notesSlides/notesSlide8.xml><?xml version="1.0" encoding="utf-8"?>
+<p:notes xmlns:a="http://schemas.openxmlformats.org/drawingml/2006/main" xmlns:r="http://schemas.openxmlformats.org/officeDocument/2006/relationships" xmlns:p="http://schemas.openxmlformats.org/presentationml/2006/main">
+  <p:cSld>
+    <p:spTree>
+      <p:nvGrpSpPr>
+        <p:cNvPr id="1" name=""/>
+        <p:cNvGrpSpPr/>
+        <p:nvPr/>
+      </p:nvGrpSpPr>
+      <p:grpSpPr>
+        <a:xfrm>
+          <a:off x="0" y="0"/>
+          <a:ext cx="0" cy="0"/>
+          <a:chOff x="0" y="0"/>
+          <a:chExt cx="0" cy="0"/>
+        </a:xfrm>
+      </p:grpSpPr>
+      <p:sp>
+        <p:nvSpPr>
+          <p:cNvPr id="2" name="Slide Image Placeholder 1"/>
+          <p:cNvSpPr>
+            <a:spLocks noGrp="1" noRot="1" noChangeAspect="1"/>
+          </p:cNvSpPr>
+          <p:nvPr>
+            <p:ph type="sldImg"/>
+          </p:nvPr>
+        </p:nvSpPr>
+        <p:spPr/>
+      </p:sp>
+      <p:sp>
+        <p:nvSpPr>
+          <p:cNvPr id="3" name="Notes Placeholder 2"/>
+          <p:cNvSpPr>
+            <a:spLocks noGrp="1"/>
+          </p:cNvSpPr>
+          <p:nvPr>
+            <p:ph type="body" idx="1"/>
+          </p:nvPr>
+        </p:nvSpPr>
+        <p:spPr/>
+        <p:txBody>
+          <a:bodyPr/>
+          <a:lstStyle/>
+          <a:p>
+            <a:pPr>
+              <a:buClr>
+                <a:srgbClr val="CF3338"/>
+              </a:buClr>
+            </a:pPr>
+            <a:r>
+              <a:rPr lang="en-US" sz="1200" i="1" dirty="0">
+                <a:solidFill>
+                  <a:srgbClr val="707070"/>
+                </a:solidFill>
+                <a:latin typeface="Pragmatica" panose="020B0403040502020204" pitchFamily="34" charset="0"/>
+              </a:rPr>
+              <a:t>By the end of this book, you should be able to conduct exploratory data analysis and</a:t>
+            </a:r>
+          </a:p>
+          <a:p>
+            <a:pPr>
+              <a:buClr>
+                <a:srgbClr val="CF3338"/>
+              </a:buClr>
+            </a:pPr>
+            <a:r>
+              <a:rPr lang="en-US" sz="1200" i="1" dirty="0">
+                <a:solidFill>
+                  <a:srgbClr val="707070"/>
+                </a:solidFill>
+                <a:latin typeface="Pragmatica" panose="020B0403040502020204" pitchFamily="34" charset="0"/>
+              </a:rPr>
+              <a:t>hypothesis testing using a programming language.</a:t>
+            </a:r>
+          </a:p>
+          <a:p>
+            <a:endParaRPr lang="en-US" dirty="0"/>
+          </a:p>
+        </p:txBody>
+      </p:sp>
+      <p:sp>
+        <p:nvSpPr>
+          <p:cNvPr id="4" name="Slide Number Placeholder 3"/>
+          <p:cNvSpPr>
+            <a:spLocks noGrp="1"/>
+          </p:cNvSpPr>
+          <p:nvPr>
+            <p:ph type="sldNum" sz="quarter" idx="5"/>
+          </p:nvPr>
+        </p:nvSpPr>
+        <p:spPr/>
+        <p:txBody>
+          <a:bodyPr/>
+          <a:lstStyle/>
+          <a:p>
+            <a:fld id="{3BB66621-ADCC-4EF8-8003-B9D3E881DCD2}" type="slidenum">
+              <a:rPr lang="en-US" smtClean="0"/>
+              <a:t>16</a:t>
+            </a:fld>
+            <a:endParaRPr lang="en-US"/>
+          </a:p>
+        </p:txBody>
+      </p:sp>
+    </p:spTree>
+    <p:extLst>
+      <p:ext uri="{BB962C8B-B14F-4D97-AF65-F5344CB8AC3E}">
+        <p14:creationId xmlns:p14="http://schemas.microsoft.com/office/powerpoint/2010/main" val="3946659880"/>
       </p:ext>
     </p:extLst>
   </p:cSld>
@@ -2807,7 +3013,7 @@
           <a:p>
             <a:fld id="{0138B082-EFC2-46C1-B47C-51736C670379}" type="datetimeFigureOut">
               <a:rPr lang="en-US" smtClean="0"/>
-              <a:t>8/14/2021</a:t>
+              <a:t>8/28/2021</a:t>
             </a:fld>
             <a:endParaRPr lang="en-US"/>
           </a:p>
@@ -2975,7 +3181,7 @@
           <a:p>
             <a:fld id="{0138B082-EFC2-46C1-B47C-51736C670379}" type="datetimeFigureOut">
               <a:rPr lang="en-US" smtClean="0"/>
-              <a:t>8/14/2021</a:t>
+              <a:t>8/28/2021</a:t>
             </a:fld>
             <a:endParaRPr lang="en-US"/>
           </a:p>
@@ -3153,7 +3359,7 @@
           <a:p>
             <a:fld id="{0138B082-EFC2-46C1-B47C-51736C670379}" type="datetimeFigureOut">
               <a:rPr lang="en-US" smtClean="0"/>
-              <a:t>8/14/2021</a:t>
+              <a:t>8/28/2021</a:t>
             </a:fld>
             <a:endParaRPr lang="en-US"/>
           </a:p>
@@ -3321,7 +3527,7 @@
           <a:p>
             <a:fld id="{0138B082-EFC2-46C1-B47C-51736C670379}" type="datetimeFigureOut">
               <a:rPr lang="en-US" smtClean="0"/>
-              <a:t>8/14/2021</a:t>
+              <a:t>8/28/2021</a:t>
             </a:fld>
             <a:endParaRPr lang="en-US"/>
           </a:p>
@@ -3566,7 +3772,7 @@
           <a:p>
             <a:fld id="{0138B082-EFC2-46C1-B47C-51736C670379}" type="datetimeFigureOut">
               <a:rPr lang="en-US" smtClean="0"/>
-              <a:t>8/14/2021</a:t>
+              <a:t>8/28/2021</a:t>
             </a:fld>
             <a:endParaRPr lang="en-US"/>
           </a:p>
@@ -3795,7 +4001,7 @@
           <a:p>
             <a:fld id="{0138B082-EFC2-46C1-B47C-51736C670379}" type="datetimeFigureOut">
               <a:rPr lang="en-US" smtClean="0"/>
-              <a:t>8/14/2021</a:t>
+              <a:t>8/28/2021</a:t>
             </a:fld>
             <a:endParaRPr lang="en-US"/>
           </a:p>
@@ -4159,7 +4365,7 @@
           <a:p>
             <a:fld id="{0138B082-EFC2-46C1-B47C-51736C670379}" type="datetimeFigureOut">
               <a:rPr lang="en-US" smtClean="0"/>
-              <a:t>8/14/2021</a:t>
+              <a:t>8/28/2021</a:t>
             </a:fld>
             <a:endParaRPr lang="en-US"/>
           </a:p>
@@ -4276,7 +4482,7 @@
           <a:p>
             <a:fld id="{0138B082-EFC2-46C1-B47C-51736C670379}" type="datetimeFigureOut">
               <a:rPr lang="en-US" smtClean="0"/>
-              <a:t>8/14/2021</a:t>
+              <a:t>8/28/2021</a:t>
             </a:fld>
             <a:endParaRPr lang="en-US"/>
           </a:p>
@@ -4371,7 +4577,7 @@
           <a:p>
             <a:fld id="{0138B082-EFC2-46C1-B47C-51736C670379}" type="datetimeFigureOut">
               <a:rPr lang="en-US" smtClean="0"/>
-              <a:t>8/14/2021</a:t>
+              <a:t>8/28/2021</a:t>
             </a:fld>
             <a:endParaRPr lang="en-US"/>
           </a:p>
@@ -4646,7 +4852,7 @@
           <a:p>
             <a:fld id="{0138B082-EFC2-46C1-B47C-51736C670379}" type="datetimeFigureOut">
               <a:rPr lang="en-US" smtClean="0"/>
-              <a:t>8/14/2021</a:t>
+              <a:t>8/28/2021</a:t>
             </a:fld>
             <a:endParaRPr lang="en-US"/>
           </a:p>
@@ -4898,7 +5104,7 @@
           <a:p>
             <a:fld id="{0138B082-EFC2-46C1-B47C-51736C670379}" type="datetimeFigureOut">
               <a:rPr lang="en-US" smtClean="0"/>
-              <a:t>8/14/2021</a:t>
+              <a:t>8/28/2021</a:t>
             </a:fld>
             <a:endParaRPr lang="en-US"/>
           </a:p>
@@ -5109,7 +5315,7 @@
           <a:p>
             <a:fld id="{0138B082-EFC2-46C1-B47C-51736C670379}" type="datetimeFigureOut">
               <a:rPr lang="en-US" smtClean="0"/>
-              <a:t>8/14/2021</a:t>
+              <a:t>8/28/2021</a:t>
             </a:fld>
             <a:endParaRPr lang="en-US"/>
           </a:p>
@@ -5777,7 +5983,7 @@
     </p:spTree>
     <p:extLst>
       <p:ext uri="{BB962C8B-B14F-4D97-AF65-F5344CB8AC3E}">
-        <p14:creationId xmlns:p14="http://schemas.microsoft.com/office/powerpoint/2010/main" val="4081097533"/>
+        <p14:creationId xmlns:p14="http://schemas.microsoft.com/office/powerpoint/2010/main" val="3277195189"/>
       </p:ext>
     </p:extLst>
   </p:cSld>
@@ -5916,7 +6122,7 @@
     </p:spTree>
     <p:extLst>
       <p:ext uri="{BB962C8B-B14F-4D97-AF65-F5344CB8AC3E}">
-        <p14:creationId xmlns:p14="http://schemas.microsoft.com/office/powerpoint/2010/main" val="1922980201"/>
+        <p14:creationId xmlns:p14="http://schemas.microsoft.com/office/powerpoint/2010/main" val="510588120"/>
       </p:ext>
     </p:extLst>
   </p:cSld>
@@ -5951,8 +6157,8 @@
         </p:nvSpPr>
         <p:spPr>
           <a:xfrm>
-            <a:off x="0" y="0"/>
-            <a:ext cx="12192000" cy="6858000"/>
+            <a:off x="6574420" y="0"/>
+            <a:ext cx="5617580" cy="6858000"/>
           </a:xfrm>
           <a:prstGeom prst="rect">
             <a:avLst/>
@@ -5994,8 +6200,8 @@
         </p:nvSpPr>
         <p:spPr>
           <a:xfrm>
-            <a:off x="520861" y="393539"/>
-            <a:ext cx="10324617" cy="1107996"/>
+            <a:off x="6817489" y="0"/>
+            <a:ext cx="4120587" cy="1446550"/>
           </a:xfrm>
           <a:prstGeom prst="rect">
             <a:avLst/>
@@ -6009,21 +6215,193 @@
           <a:lstStyle/>
           <a:p>
             <a:r>
-              <a:rPr lang="en-US" sz="6600" b="1" dirty="0">
+              <a:rPr lang="en-US" sz="8800" dirty="0">
                 <a:solidFill>
                   <a:schemeClr val="bg1"/>
                 </a:solidFill>
+                <a:latin typeface="Aliens &amp; cows" panose="00000500000000000000" pitchFamily="2" charset="0"/>
+              </a:rPr>
+              <a:t>Demo</a:t>
+            </a:r>
+          </a:p>
+        </p:txBody>
+      </p:sp>
+      <p:pic>
+        <p:nvPicPr>
+          <p:cNvPr id="2" name="Picture 1"/>
+          <p:cNvPicPr>
+            <a:picLocks noChangeAspect="1"/>
+          </p:cNvPicPr>
+          <p:nvPr/>
+        </p:nvPicPr>
+        <p:blipFill rotWithShape="1">
+          <a:blip r:embed="rId3">
+            <a:extLst>
+              <a:ext uri="{28A0092B-C50C-407E-A947-70E740481C1C}">
+                <a14:useLocalDpi xmlns:a14="http://schemas.microsoft.com/office/drawing/2010/main" val="0"/>
+              </a:ext>
+            </a:extLst>
+          </a:blip>
+          <a:srcRect l="69227" t="33418" r="20112" b="50548"/>
+          <a:stretch/>
+        </p:blipFill>
+        <p:spPr>
+          <a:xfrm>
+            <a:off x="10386349" y="5029795"/>
+            <a:ext cx="1805651" cy="1991719"/>
+          </a:xfrm>
+          <a:prstGeom prst="rect">
+            <a:avLst/>
+          </a:prstGeom>
+        </p:spPr>
+      </p:pic>
+      <p:sp>
+        <p:nvSpPr>
+          <p:cNvPr id="3" name="TextBox 2"/>
+          <p:cNvSpPr txBox="1"/>
+          <p:nvPr/>
+        </p:nvSpPr>
+        <p:spPr>
+          <a:xfrm>
+            <a:off x="173620" y="219919"/>
+            <a:ext cx="5937813" cy="5262979"/>
+          </a:xfrm>
+          <a:prstGeom prst="rect">
+            <a:avLst/>
+          </a:prstGeom>
+          <a:noFill/>
+        </p:spPr>
+        <p:txBody>
+          <a:bodyPr wrap="square" rtlCol="0">
+            <a:spAutoFit/>
+          </a:bodyPr>
+          <a:lstStyle/>
+          <a:p>
+            <a:r>
+              <a:rPr lang="en-US" sz="2800" b="1" dirty="0">
+                <a:solidFill>
+                  <a:srgbClr val="CF3338"/>
+                </a:solidFill>
                 <a:latin typeface="Pragmatica" pitchFamily="2" charset="0"/>
               </a:rPr>
-              <a:t>Conclusion/Next steps</a:t>
-            </a:r>
+              <a:t>Summarizing continuous variables</a:t>
+            </a:r>
+          </a:p>
+          <a:p>
+            <a:endParaRPr lang="en-US" sz="2800" b="1" dirty="0">
+              <a:solidFill>
+                <a:srgbClr val="CF3338"/>
+              </a:solidFill>
+              <a:latin typeface="Pragmatica" pitchFamily="2" charset="0"/>
+            </a:endParaRPr>
+          </a:p>
+          <a:p>
+            <a:pPr marL="457200" indent="-457200">
+              <a:buFont typeface="Arial" panose="020B0604020202020204" pitchFamily="34" charset="0"/>
+              <a:buChar char="•"/>
+            </a:pPr>
+            <a:r>
+              <a:rPr lang="en-US" sz="2800" b="1" dirty="0">
+                <a:solidFill>
+                  <a:srgbClr val="CF3338"/>
+                </a:solidFill>
+                <a:latin typeface="Pragmatica" pitchFamily="2" charset="0"/>
+              </a:rPr>
+              <a:t>What does the distribution of values look like? </a:t>
+            </a:r>
+          </a:p>
+          <a:p>
+            <a:pPr marL="914400" lvl="1" indent="-457200">
+              <a:buFont typeface="Arial" panose="020B0604020202020204" pitchFamily="34" charset="0"/>
+              <a:buChar char="•"/>
+            </a:pPr>
+            <a:r>
+              <a:rPr lang="en-US" sz="2800" b="1" dirty="0">
+                <a:solidFill>
+                  <a:srgbClr val="CF3338"/>
+                </a:solidFill>
+                <a:latin typeface="Pragmatica" pitchFamily="2" charset="0"/>
+              </a:rPr>
+              <a:t>Where are they centered?</a:t>
+            </a:r>
+          </a:p>
+          <a:p>
+            <a:pPr marL="914400" lvl="1" indent="-457200">
+              <a:buFont typeface="Arial" panose="020B0604020202020204" pitchFamily="34" charset="0"/>
+              <a:buChar char="•"/>
+            </a:pPr>
+            <a:r>
+              <a:rPr lang="en-US" sz="2800" b="1" dirty="0">
+                <a:solidFill>
+                  <a:srgbClr val="CF3338"/>
+                </a:solidFill>
+                <a:latin typeface="Pragmatica" pitchFamily="2" charset="0"/>
+              </a:rPr>
+              <a:t>How far from the center are they?</a:t>
+            </a:r>
+          </a:p>
+          <a:p>
+            <a:pPr marL="457200" indent="-457200">
+              <a:buFont typeface="Arial" panose="020B0604020202020204" pitchFamily="34" charset="0"/>
+              <a:buChar char="•"/>
+            </a:pPr>
+            <a:r>
+              <a:rPr lang="en-US" sz="2800" b="1" dirty="0">
+                <a:solidFill>
+                  <a:srgbClr val="CF3338"/>
+                </a:solidFill>
+                <a:latin typeface="Pragmatica" pitchFamily="2" charset="0"/>
+              </a:rPr>
+              <a:t>Descriptive statistics (</a:t>
+            </a:r>
+            <a:r>
+              <a:rPr lang="en-US" sz="2800" b="1" dirty="0" err="1">
+                <a:solidFill>
+                  <a:srgbClr val="CF3338"/>
+                </a:solidFill>
+                <a:latin typeface="Pragmatica" pitchFamily="2" charset="0"/>
+              </a:rPr>
+              <a:t>ToolPak</a:t>
+            </a:r>
+            <a:r>
+              <a:rPr lang="en-US" sz="2800" b="1" dirty="0">
+                <a:solidFill>
+                  <a:srgbClr val="CF3338"/>
+                </a:solidFill>
+                <a:latin typeface="Pragmatica" pitchFamily="2" charset="0"/>
+              </a:rPr>
+              <a:t>)</a:t>
+            </a:r>
+          </a:p>
+          <a:p>
+            <a:pPr marL="457200" indent="-457200">
+              <a:buFont typeface="Arial" panose="020B0604020202020204" pitchFamily="34" charset="0"/>
+              <a:buChar char="•"/>
+            </a:pPr>
+            <a:r>
+              <a:rPr lang="en-US" sz="2800" b="1" dirty="0">
+                <a:solidFill>
+                  <a:srgbClr val="CF3338"/>
+                </a:solidFill>
+                <a:latin typeface="Pragmatica" pitchFamily="2" charset="0"/>
+              </a:rPr>
+              <a:t>Histogram</a:t>
+            </a:r>
+          </a:p>
+          <a:p>
+            <a:endParaRPr lang="en-US" sz="2800" b="1" dirty="0">
+              <a:solidFill>
+                <a:srgbClr val="CF3338"/>
+              </a:solidFill>
+              <a:latin typeface="Consolas" panose="020B0609020204030204" pitchFamily="49" charset="0"/>
+            </a:endParaRPr>
           </a:p>
         </p:txBody>
       </p:sp>
     </p:spTree>
     <p:extLst>
       <p:ext uri="{BB962C8B-B14F-4D97-AF65-F5344CB8AC3E}">
-        <p14:creationId xmlns:p14="http://schemas.microsoft.com/office/powerpoint/2010/main" val="467168029"/>
+        <p14:creationId xmlns:p14="http://schemas.microsoft.com/office/powerpoint/2010/main" val="4287774206"/>
       </p:ext>
     </p:extLst>
   </p:cSld>
@@ -6059,6 +6437,478 @@
           <p:nvPr/>
         </p:nvPicPr>
         <p:blipFill rotWithShape="1">
+          <a:blip r:embed="rId2">
+            <a:extLst>
+              <a:ext uri="{28A0092B-C50C-407E-A947-70E740481C1C}">
+                <a14:useLocalDpi xmlns:a14="http://schemas.microsoft.com/office/drawing/2010/main" val="0"/>
+              </a:ext>
+            </a:extLst>
+          </a:blip>
+          <a:srcRect l="50728" t="56371"/>
+          <a:stretch/>
+        </p:blipFill>
+        <p:spPr>
+          <a:xfrm>
+            <a:off x="8136460" y="2210765"/>
+            <a:ext cx="4055539" cy="4647236"/>
+          </a:xfrm>
+          <a:prstGeom prst="rect">
+            <a:avLst/>
+          </a:prstGeom>
+        </p:spPr>
+      </p:pic>
+      <p:pic>
+        <p:nvPicPr>
+          <p:cNvPr id="4" name="Picture 3"/>
+          <p:cNvPicPr>
+            <a:picLocks noChangeAspect="1"/>
+          </p:cNvPicPr>
+          <p:nvPr/>
+        </p:nvPicPr>
+        <p:blipFill>
+          <a:blip r:embed="rId3">
+            <a:extLst>
+              <a:ext uri="{28A0092B-C50C-407E-A947-70E740481C1C}">
+                <a14:useLocalDpi xmlns:a14="http://schemas.microsoft.com/office/drawing/2010/main" val="0"/>
+              </a:ext>
+            </a:extLst>
+          </a:blip>
+          <a:stretch>
+            <a:fillRect/>
+          </a:stretch>
+        </p:blipFill>
+        <p:spPr>
+          <a:xfrm>
+            <a:off x="-538496" y="-2482770"/>
+            <a:ext cx="10171472" cy="7459883"/>
+          </a:xfrm>
+          <a:prstGeom prst="rect">
+            <a:avLst/>
+          </a:prstGeom>
+        </p:spPr>
+      </p:pic>
+      <p:sp>
+        <p:nvSpPr>
+          <p:cNvPr id="11" name="TextBox 10"/>
+          <p:cNvSpPr txBox="1"/>
+          <p:nvPr/>
+        </p:nvSpPr>
+        <p:spPr>
+          <a:xfrm>
+            <a:off x="324091" y="1687545"/>
+            <a:ext cx="7986531" cy="769441"/>
+          </a:xfrm>
+          <a:prstGeom prst="rect">
+            <a:avLst/>
+          </a:prstGeom>
+          <a:noFill/>
+        </p:spPr>
+        <p:txBody>
+          <a:bodyPr wrap="square" rtlCol="0">
+            <a:spAutoFit/>
+          </a:bodyPr>
+          <a:lstStyle/>
+          <a:p>
+            <a:r>
+              <a:rPr lang="en-US" sz="4400" b="1" dirty="0">
+                <a:solidFill>
+                  <a:srgbClr val="707070"/>
+                </a:solidFill>
+                <a:latin typeface="Pragmatica" panose="020B0403040502020204" pitchFamily="34" charset="0"/>
+              </a:rPr>
+              <a:t>Questions?</a:t>
+            </a:r>
+          </a:p>
+        </p:txBody>
+      </p:sp>
+    </p:spTree>
+    <p:extLst>
+      <p:ext uri="{BB962C8B-B14F-4D97-AF65-F5344CB8AC3E}">
+        <p14:creationId xmlns:p14="http://schemas.microsoft.com/office/powerpoint/2010/main" val="4081097533"/>
+      </p:ext>
+    </p:extLst>
+  </p:cSld>
+  <p:clrMapOvr>
+    <a:masterClrMapping/>
+  </p:clrMapOvr>
+</p:sld>
+</file>
+
+<file path=ppt/slides/slide14.xml><?xml version="1.0" encoding="utf-8"?>
+<p:sld xmlns:a="http://schemas.openxmlformats.org/drawingml/2006/main" xmlns:r="http://schemas.openxmlformats.org/officeDocument/2006/relationships" xmlns:p="http://schemas.openxmlformats.org/presentationml/2006/main">
+  <p:cSld>
+    <p:spTree>
+      <p:nvGrpSpPr>
+        <p:cNvPr id="1" name=""/>
+        <p:cNvGrpSpPr/>
+        <p:nvPr/>
+      </p:nvGrpSpPr>
+      <p:grpSpPr>
+        <a:xfrm>
+          <a:off x="0" y="0"/>
+          <a:ext cx="0" cy="0"/>
+          <a:chOff x="0" y="0"/>
+          <a:chExt cx="0" cy="0"/>
+        </a:xfrm>
+      </p:grpSpPr>
+      <p:sp>
+        <p:nvSpPr>
+          <p:cNvPr id="4" name="Rectangle 3"/>
+          <p:cNvSpPr/>
+          <p:nvPr/>
+        </p:nvSpPr>
+        <p:spPr>
+          <a:xfrm>
+            <a:off x="0" y="0"/>
+            <a:ext cx="12192000" cy="6858000"/>
+          </a:xfrm>
+          <a:prstGeom prst="rect">
+            <a:avLst/>
+          </a:prstGeom>
+          <a:solidFill>
+            <a:srgbClr val="CF3338"/>
+          </a:solidFill>
+        </p:spPr>
+        <p:style>
+          <a:lnRef idx="2">
+            <a:schemeClr val="accent1">
+              <a:shade val="50000"/>
+            </a:schemeClr>
+          </a:lnRef>
+          <a:fillRef idx="1">
+            <a:schemeClr val="accent1"/>
+          </a:fillRef>
+          <a:effectRef idx="0">
+            <a:schemeClr val="accent1"/>
+          </a:effectRef>
+          <a:fontRef idx="minor">
+            <a:schemeClr val="lt1"/>
+          </a:fontRef>
+        </p:style>
+        <p:txBody>
+          <a:bodyPr rtlCol="0" anchor="ctr"/>
+          <a:lstStyle/>
+          <a:p>
+            <a:pPr algn="ctr"/>
+            <a:endParaRPr lang="en-US"/>
+          </a:p>
+        </p:txBody>
+      </p:sp>
+      <p:sp>
+        <p:nvSpPr>
+          <p:cNvPr id="5" name="TextBox 4"/>
+          <p:cNvSpPr txBox="1"/>
+          <p:nvPr/>
+        </p:nvSpPr>
+        <p:spPr>
+          <a:xfrm>
+            <a:off x="520861" y="393539"/>
+            <a:ext cx="10324617" cy="1107996"/>
+          </a:xfrm>
+          <a:prstGeom prst="rect">
+            <a:avLst/>
+          </a:prstGeom>
+          <a:noFill/>
+        </p:spPr>
+        <p:txBody>
+          <a:bodyPr wrap="square" rtlCol="0">
+            <a:spAutoFit/>
+          </a:bodyPr>
+          <a:lstStyle/>
+          <a:p>
+            <a:r>
+              <a:rPr lang="en-US" sz="6600" b="1" dirty="0">
+                <a:solidFill>
+                  <a:schemeClr val="bg1"/>
+                </a:solidFill>
+                <a:latin typeface="Pragmatica" pitchFamily="2" charset="0"/>
+              </a:rPr>
+              <a:t>Conclusion/Next steps</a:t>
+            </a:r>
+          </a:p>
+        </p:txBody>
+      </p:sp>
+    </p:spTree>
+    <p:extLst>
+      <p:ext uri="{BB962C8B-B14F-4D97-AF65-F5344CB8AC3E}">
+        <p14:creationId xmlns:p14="http://schemas.microsoft.com/office/powerpoint/2010/main" val="467168029"/>
+      </p:ext>
+    </p:extLst>
+  </p:cSld>
+  <p:clrMapOvr>
+    <a:masterClrMapping/>
+  </p:clrMapOvr>
+</p:sld>
+</file>
+
+<file path=ppt/slides/slide15.xml><?xml version="1.0" encoding="utf-8"?>
+<p:sld xmlns:a="http://schemas.openxmlformats.org/drawingml/2006/main" xmlns:r="http://schemas.openxmlformats.org/officeDocument/2006/relationships" xmlns:p="http://schemas.openxmlformats.org/presentationml/2006/main">
+  <p:cSld>
+    <p:spTree>
+      <p:nvGrpSpPr>
+        <p:cNvPr id="1" name=""/>
+        <p:cNvGrpSpPr/>
+        <p:nvPr/>
+      </p:nvGrpSpPr>
+      <p:grpSpPr>
+        <a:xfrm>
+          <a:off x="0" y="0"/>
+          <a:ext cx="0" cy="0"/>
+          <a:chOff x="0" y="0"/>
+          <a:chExt cx="0" cy="0"/>
+        </a:xfrm>
+      </p:grpSpPr>
+      <p:pic>
+        <p:nvPicPr>
+          <p:cNvPr id="10" name="Picture 9"/>
+          <p:cNvPicPr>
+            <a:picLocks noChangeAspect="1"/>
+          </p:cNvPicPr>
+          <p:nvPr/>
+        </p:nvPicPr>
+        <p:blipFill rotWithShape="1">
+          <a:blip r:embed="rId3">
+            <a:extLst>
+              <a:ext uri="{28A0092B-C50C-407E-A947-70E740481C1C}">
+                <a14:useLocalDpi xmlns:a14="http://schemas.microsoft.com/office/drawing/2010/main" val="0"/>
+              </a:ext>
+            </a:extLst>
+          </a:blip>
+          <a:srcRect l="50728" t="56371"/>
+          <a:stretch/>
+        </p:blipFill>
+        <p:spPr>
+          <a:xfrm>
+            <a:off x="10894024" y="5370653"/>
+            <a:ext cx="1297975" cy="1487348"/>
+          </a:xfrm>
+          <a:prstGeom prst="rect">
+            <a:avLst/>
+          </a:prstGeom>
+        </p:spPr>
+      </p:pic>
+      <p:sp>
+        <p:nvSpPr>
+          <p:cNvPr id="11" name="TextBox 10"/>
+          <p:cNvSpPr txBox="1"/>
+          <p:nvPr/>
+        </p:nvSpPr>
+        <p:spPr>
+          <a:xfrm>
+            <a:off x="347240" y="113388"/>
+            <a:ext cx="10861534" cy="1015663"/>
+          </a:xfrm>
+          <a:prstGeom prst="rect">
+            <a:avLst/>
+          </a:prstGeom>
+          <a:noFill/>
+        </p:spPr>
+        <p:txBody>
+          <a:bodyPr wrap="square" rtlCol="0">
+            <a:spAutoFit/>
+          </a:bodyPr>
+          <a:lstStyle/>
+          <a:p>
+            <a:r>
+              <a:rPr lang="en-US" sz="6000" dirty="0">
+                <a:latin typeface="Aliens &amp; cows" panose="00000500000000000000" pitchFamily="2" charset="0"/>
+              </a:rPr>
+              <a:t>Take home</a:t>
+            </a:r>
+          </a:p>
+        </p:txBody>
+      </p:sp>
+      <p:sp>
+        <p:nvSpPr>
+          <p:cNvPr id="4" name="TextBox 3">
+            <a:extLst>
+              <a:ext uri="{FF2B5EF4-FFF2-40B4-BE49-F238E27FC236}">
+                <a16:creationId xmlns:a16="http://schemas.microsoft.com/office/drawing/2014/main" id="{5A4F6C64-3E8D-4255-95B8-CF64265213DA}"/>
+              </a:ext>
+            </a:extLst>
+          </p:cNvPr>
+          <p:cNvSpPr txBox="1"/>
+          <p:nvPr/>
+        </p:nvSpPr>
+        <p:spPr>
+          <a:xfrm>
+            <a:off x="347240" y="1465093"/>
+            <a:ext cx="9688858" cy="3108543"/>
+          </a:xfrm>
+          <a:prstGeom prst="rect">
+            <a:avLst/>
+          </a:prstGeom>
+          <a:noFill/>
+        </p:spPr>
+        <p:txBody>
+          <a:bodyPr wrap="square" rtlCol="0">
+            <a:spAutoFit/>
+          </a:bodyPr>
+          <a:lstStyle/>
+          <a:p>
+            <a:pPr marL="457200" indent="-457200">
+              <a:buClr>
+                <a:srgbClr val="CF3338"/>
+              </a:buClr>
+              <a:buFont typeface="Arial" panose="020B0604020202020204" pitchFamily="34" charset="0"/>
+              <a:buChar char="•"/>
+            </a:pPr>
+            <a:r>
+              <a:rPr lang="en-US" sz="2800" dirty="0">
+                <a:solidFill>
+                  <a:srgbClr val="707070"/>
+                </a:solidFill>
+                <a:latin typeface="Pragmatica" panose="020B0403040502020204" pitchFamily="34" charset="0"/>
+              </a:rPr>
+              <a:t>Dataset: </a:t>
+            </a:r>
+            <a:r>
+              <a:rPr lang="en-US" sz="2800" dirty="0">
+                <a:solidFill>
+                  <a:srgbClr val="707070"/>
+                </a:solidFill>
+                <a:latin typeface="Consolas" panose="020B0609020204030204" pitchFamily="49" charset="0"/>
+              </a:rPr>
+              <a:t>penguins.xlsx</a:t>
+            </a:r>
+          </a:p>
+          <a:p>
+            <a:pPr marL="457200" indent="-457200">
+              <a:buClr>
+                <a:srgbClr val="CF3338"/>
+              </a:buClr>
+              <a:buFont typeface="Arial" panose="020B0604020202020204" pitchFamily="34" charset="0"/>
+              <a:buChar char="•"/>
+            </a:pPr>
+            <a:r>
+              <a:rPr lang="en-US" sz="2800" dirty="0">
+                <a:solidFill>
+                  <a:srgbClr val="707070"/>
+                </a:solidFill>
+                <a:latin typeface="Pragmatica" pitchFamily="2" charset="0"/>
+              </a:rPr>
+              <a:t>Classify each variable</a:t>
+            </a:r>
+          </a:p>
+          <a:p>
+            <a:pPr marL="457200" indent="-457200">
+              <a:buClr>
+                <a:srgbClr val="CF3338"/>
+              </a:buClr>
+              <a:buFont typeface="Arial" panose="020B0604020202020204" pitchFamily="34" charset="0"/>
+              <a:buChar char="•"/>
+            </a:pPr>
+            <a:r>
+              <a:rPr lang="en-US" sz="2800" dirty="0">
+                <a:solidFill>
+                  <a:srgbClr val="707070"/>
+                </a:solidFill>
+                <a:latin typeface="Pragmatica" pitchFamily="2" charset="0"/>
+              </a:rPr>
+              <a:t>Find the frequencies of two categorical variables</a:t>
+            </a:r>
+          </a:p>
+          <a:p>
+            <a:pPr marL="457200" indent="-457200">
+              <a:buClr>
+                <a:srgbClr val="CF3338"/>
+              </a:buClr>
+              <a:buFont typeface="Arial" panose="020B0604020202020204" pitchFamily="34" charset="0"/>
+              <a:buChar char="•"/>
+            </a:pPr>
+            <a:r>
+              <a:rPr lang="en-US" sz="2800" dirty="0">
+                <a:solidFill>
+                  <a:srgbClr val="707070"/>
+                </a:solidFill>
+                <a:latin typeface="Pragmatica" pitchFamily="2" charset="0"/>
+              </a:rPr>
+              <a:t>Get descriptive statistics and histogram for one continuous</a:t>
+            </a:r>
+          </a:p>
+          <a:p>
+            <a:pPr marL="457200" indent="-457200">
+              <a:buClr>
+                <a:srgbClr val="CF3338"/>
+              </a:buClr>
+              <a:buFont typeface="Arial" panose="020B0604020202020204" pitchFamily="34" charset="0"/>
+              <a:buChar char="•"/>
+            </a:pPr>
+            <a:endParaRPr lang="en-US" sz="2800" dirty="0">
+              <a:solidFill>
+                <a:srgbClr val="707070"/>
+              </a:solidFill>
+              <a:latin typeface="Pragmatica" pitchFamily="2" charset="0"/>
+            </a:endParaRPr>
+          </a:p>
+          <a:p>
+            <a:pPr marL="457200" indent="-457200">
+              <a:buClr>
+                <a:srgbClr val="CF3338"/>
+              </a:buClr>
+              <a:buFont typeface="Arial" panose="020B0604020202020204" pitchFamily="34" charset="0"/>
+              <a:buChar char="•"/>
+            </a:pPr>
+            <a:r>
+              <a:rPr lang="en-US" sz="2800" dirty="0">
+                <a:solidFill>
+                  <a:srgbClr val="707070"/>
+                </a:solidFill>
+                <a:latin typeface="Pragmatica" pitchFamily="2" charset="0"/>
+              </a:rPr>
+              <a:t>Solutions: </a:t>
+            </a:r>
+            <a:r>
+              <a:rPr lang="en-US" sz="2800" dirty="0">
+                <a:solidFill>
+                  <a:srgbClr val="707070"/>
+                </a:solidFill>
+                <a:latin typeface="Consolas" panose="020B0609020204030204" pitchFamily="49" charset="0"/>
+              </a:rPr>
+              <a:t>penguins-solutions.xlsx</a:t>
+            </a:r>
+          </a:p>
+        </p:txBody>
+      </p:sp>
+    </p:spTree>
+    <p:extLst>
+      <p:ext uri="{BB962C8B-B14F-4D97-AF65-F5344CB8AC3E}">
+        <p14:creationId xmlns:p14="http://schemas.microsoft.com/office/powerpoint/2010/main" val="1574051232"/>
+      </p:ext>
+    </p:extLst>
+  </p:cSld>
+  <p:clrMapOvr>
+    <a:masterClrMapping/>
+  </p:clrMapOvr>
+</p:sld>
+</file>
+
+<file path=ppt/slides/slide16.xml><?xml version="1.0" encoding="utf-8"?>
+<p:sld xmlns:a="http://schemas.openxmlformats.org/drawingml/2006/main" xmlns:r="http://schemas.openxmlformats.org/officeDocument/2006/relationships" xmlns:p="http://schemas.openxmlformats.org/presentationml/2006/main">
+  <p:cSld>
+    <p:spTree>
+      <p:nvGrpSpPr>
+        <p:cNvPr id="1" name=""/>
+        <p:cNvGrpSpPr/>
+        <p:nvPr/>
+      </p:nvGrpSpPr>
+      <p:grpSpPr>
+        <a:xfrm>
+          <a:off x="0" y="0"/>
+          <a:ext cx="0" cy="0"/>
+          <a:chOff x="0" y="0"/>
+          <a:chExt cx="0" cy="0"/>
+        </a:xfrm>
+      </p:grpSpPr>
+      <p:pic>
+        <p:nvPicPr>
+          <p:cNvPr id="10" name="Picture 9"/>
+          <p:cNvPicPr>
+            <a:picLocks noChangeAspect="1"/>
+          </p:cNvPicPr>
+          <p:nvPr/>
+        </p:nvPicPr>
+        <p:blipFill rotWithShape="1">
           <a:blip r:embed="rId3">
             <a:extLst>
               <a:ext uri="{28A0092B-C50C-407E-A947-70E740481C1C}">
@@ -6226,7 +7076,7 @@
     </p:spTree>
     <p:extLst>
       <p:ext uri="{BB962C8B-B14F-4D97-AF65-F5344CB8AC3E}">
-        <p14:creationId xmlns:p14="http://schemas.microsoft.com/office/powerpoint/2010/main" val="1574051232"/>
+        <p14:creationId xmlns:p14="http://schemas.microsoft.com/office/powerpoint/2010/main" val="3845552823"/>
       </p:ext>
     </p:extLst>
   </p:cSld>
@@ -6236,7 +7086,7 @@
 </p:sld>
 </file>
 
-<file path=ppt/slides/slide14.xml><?xml version="1.0" encoding="utf-8"?>
+<file path=ppt/slides/slide17.xml><?xml version="1.0" encoding="utf-8"?>
 <p:sld xmlns:a="http://schemas.openxmlformats.org/drawingml/2006/main" xmlns:r="http://schemas.openxmlformats.org/officeDocument/2006/relationships" xmlns:p="http://schemas.openxmlformats.org/presentationml/2006/main">
   <p:cSld>
     <p:spTree>
@@ -6383,7 +7233,7 @@
 </p:sld>
 </file>
 
-<file path=ppt/slides/slide15.xml><?xml version="1.0" encoding="utf-8"?>
+<file path=ppt/slides/slide18.xml><?xml version="1.0" encoding="utf-8"?>
 <p:sld xmlns:a="http://schemas.openxmlformats.org/drawingml/2006/main" xmlns:r="http://schemas.openxmlformats.org/officeDocument/2006/relationships" xmlns:p="http://schemas.openxmlformats.org/presentationml/2006/main">
   <p:cSld>
     <p:spTree>
@@ -6514,7 +7364,7 @@
 </p:sld>
 </file>
 
-<file path=ppt/slides/slide16.xml><?xml version="1.0" encoding="utf-8"?>
+<file path=ppt/slides/slide19.xml><?xml version="1.0" encoding="utf-8"?>
 <p:sld xmlns:a="http://schemas.openxmlformats.org/drawingml/2006/main" xmlns:r="http://schemas.openxmlformats.org/officeDocument/2006/relationships" xmlns:p="http://schemas.openxmlformats.org/presentationml/2006/main">
   <p:cSld>
     <p:spTree>
@@ -8547,7 +9397,7 @@
         <p:spPr>
           <a:xfrm>
             <a:off x="173620" y="219919"/>
-            <a:ext cx="5937813" cy="1384995"/>
+            <a:ext cx="5937813" cy="3539430"/>
           </a:xfrm>
           <a:prstGeom prst="rect">
             <a:avLst/>
@@ -8590,13 +9440,53 @@
                 </a:solidFill>
                 <a:latin typeface="Pragmatica" pitchFamily="2" charset="0"/>
               </a:rPr>
-              <a:t>How many </a:t>
-            </a:r>
+              <a:t>How many of each category?</a:t>
+            </a:r>
+          </a:p>
+          <a:p>
+            <a:pPr marL="971550" lvl="1" indent="-514350">
+              <a:buFont typeface="Arial" panose="020B0604020202020204" pitchFamily="34" charset="0"/>
+              <a:buChar char="•"/>
+            </a:pPr>
+            <a:r>
+              <a:rPr lang="en-US" sz="2800" b="1" dirty="0">
+                <a:solidFill>
+                  <a:srgbClr val="CF3338"/>
+                </a:solidFill>
+                <a:latin typeface="Pragmatica" pitchFamily="2" charset="0"/>
+              </a:rPr>
+              <a:t>PivotTables</a:t>
+            </a:r>
+          </a:p>
+          <a:p>
+            <a:pPr marL="971550" lvl="1" indent="-514350">
+              <a:buFont typeface="Arial" panose="020B0604020202020204" pitchFamily="34" charset="0"/>
+              <a:buChar char="•"/>
+            </a:pPr>
+            <a:r>
+              <a:rPr lang="en-US" sz="2800" b="1" dirty="0">
+                <a:solidFill>
+                  <a:srgbClr val="CF3338"/>
+                </a:solidFill>
+                <a:latin typeface="Pragmatica" pitchFamily="2" charset="0"/>
+              </a:rPr>
+              <a:t>Bar charts</a:t>
+            </a:r>
+          </a:p>
+          <a:p>
             <a:endParaRPr lang="en-US" sz="2800" b="1" dirty="0">
               <a:solidFill>
                 <a:srgbClr val="CF3338"/>
               </a:solidFill>
-              <a:latin typeface="Consolas" panose="020B0609020204030204" pitchFamily="49" charset="0"/>
+              <a:latin typeface="Pragmatica" pitchFamily="2" charset="0"/>
+            </a:endParaRPr>
+          </a:p>
+          <a:p>
+            <a:endParaRPr lang="en-US" sz="2800" b="1" dirty="0">
+              <a:solidFill>
+                <a:srgbClr val="CF3338"/>
+              </a:solidFill>
+              <a:latin typeface="Pragmatica" pitchFamily="2" charset="0"/>
             </a:endParaRPr>
           </a:p>
         </p:txBody>
